--- a/01%20TACTICAL%20SANDBOX%20-%20Molos%20Version.Altis/other/Presentation1.pptx
+++ b/01%20TACTICAL%20SANDBOX%20-%20Molos%20Version.Altis/other/Presentation1.pptx
@@ -337,7 +337,7 @@
           <a:p>
             <a:fld id="{CC4B85CD-F04B-4F9B-9886-724D2A41584B}" type="datetimeFigureOut">
               <a:rPr lang="fr-FR" smtClean="0"/>
-              <a:t>29/12/2025</a:t>
+              <a:t>31/12/2025</a:t>
             </a:fld>
             <a:endParaRPr lang="fr-FR"/>
           </a:p>
@@ -628,7 +628,7 @@
           <a:p>
             <a:fld id="{CC4B85CD-F04B-4F9B-9886-724D2A41584B}" type="datetimeFigureOut">
               <a:rPr lang="fr-FR" smtClean="0"/>
-              <a:t>29/12/2025</a:t>
+              <a:t>31/12/2025</a:t>
             </a:fld>
             <a:endParaRPr lang="fr-FR"/>
           </a:p>
@@ -887,7 +887,7 @@
           <a:p>
             <a:fld id="{CC4B85CD-F04B-4F9B-9886-724D2A41584B}" type="datetimeFigureOut">
               <a:rPr lang="fr-FR" smtClean="0"/>
-              <a:t>29/12/2025</a:t>
+              <a:t>31/12/2025</a:t>
             </a:fld>
             <a:endParaRPr lang="fr-FR"/>
           </a:p>
@@ -1356,7 +1356,7 @@
           <a:p>
             <a:fld id="{CC4B85CD-F04B-4F9B-9886-724D2A41584B}" type="datetimeFigureOut">
               <a:rPr lang="fr-FR" smtClean="0"/>
-              <a:t>29/12/2025</a:t>
+              <a:t>31/12/2025</a:t>
             </a:fld>
             <a:endParaRPr lang="fr-FR"/>
           </a:p>
@@ -1536,7 +1536,7 @@
           <a:p>
             <a:fld id="{CC4B85CD-F04B-4F9B-9886-724D2A41584B}" type="datetimeFigureOut">
               <a:rPr lang="fr-FR" smtClean="0"/>
-              <a:t>29/12/2025</a:t>
+              <a:t>31/12/2025</a:t>
             </a:fld>
             <a:endParaRPr lang="fr-FR"/>
           </a:p>
@@ -2112,7 +2112,7 @@
           <a:p>
             <a:fld id="{CC4B85CD-F04B-4F9B-9886-724D2A41584B}" type="datetimeFigureOut">
               <a:rPr lang="fr-FR" smtClean="0"/>
-              <a:t>29/12/2025</a:t>
+              <a:t>31/12/2025</a:t>
             </a:fld>
             <a:endParaRPr lang="fr-FR"/>
           </a:p>
@@ -2444,7 +2444,7 @@
           <a:p>
             <a:fld id="{CC4B85CD-F04B-4F9B-9886-724D2A41584B}" type="datetimeFigureOut">
               <a:rPr lang="fr-FR" smtClean="0"/>
-              <a:t>29/12/2025</a:t>
+              <a:t>31/12/2025</a:t>
             </a:fld>
             <a:endParaRPr lang="fr-FR"/>
           </a:p>
@@ -2619,7 +2619,7 @@
           <a:p>
             <a:fld id="{CC4B85CD-F04B-4F9B-9886-724D2A41584B}" type="datetimeFigureOut">
               <a:rPr lang="fr-FR" smtClean="0"/>
-              <a:t>29/12/2025</a:t>
+              <a:t>31/12/2025</a:t>
             </a:fld>
             <a:endParaRPr lang="fr-FR"/>
           </a:p>
@@ -2799,7 +2799,7 @@
           <a:p>
             <a:fld id="{CC4B85CD-F04B-4F9B-9886-724D2A41584B}" type="datetimeFigureOut">
               <a:rPr lang="fr-FR" smtClean="0"/>
-              <a:t>29/12/2025</a:t>
+              <a:t>31/12/2025</a:t>
             </a:fld>
             <a:endParaRPr lang="fr-FR"/>
           </a:p>
@@ -2969,7 +2969,7 @@
           <a:p>
             <a:fld id="{CC4B85CD-F04B-4F9B-9886-724D2A41584B}" type="datetimeFigureOut">
               <a:rPr lang="fr-FR" smtClean="0"/>
-              <a:t>29/12/2025</a:t>
+              <a:t>31/12/2025</a:t>
             </a:fld>
             <a:endParaRPr lang="fr-FR"/>
           </a:p>
@@ -3226,7 +3226,7 @@
           <a:p>
             <a:fld id="{CC4B85CD-F04B-4F9B-9886-724D2A41584B}" type="datetimeFigureOut">
               <a:rPr lang="fr-FR" smtClean="0"/>
-              <a:t>29/12/2025</a:t>
+              <a:t>31/12/2025</a:t>
             </a:fld>
             <a:endParaRPr lang="fr-FR"/>
           </a:p>
@@ -3518,7 +3518,7 @@
           <a:p>
             <a:fld id="{CC4B85CD-F04B-4F9B-9886-724D2A41584B}" type="datetimeFigureOut">
               <a:rPr lang="fr-FR" smtClean="0"/>
-              <a:t>29/12/2025</a:t>
+              <a:t>31/12/2025</a:t>
             </a:fld>
             <a:endParaRPr lang="fr-FR"/>
           </a:p>
@@ -3948,7 +3948,7 @@
           <a:p>
             <a:fld id="{CC4B85CD-F04B-4F9B-9886-724D2A41584B}" type="datetimeFigureOut">
               <a:rPr lang="fr-FR" smtClean="0"/>
-              <a:t>29/12/2025</a:t>
+              <a:t>31/12/2025</a:t>
             </a:fld>
             <a:endParaRPr lang="fr-FR"/>
           </a:p>
@@ -4066,7 +4066,7 @@
           <a:p>
             <a:fld id="{CC4B85CD-F04B-4F9B-9886-724D2A41584B}" type="datetimeFigureOut">
               <a:rPr lang="fr-FR" smtClean="0"/>
-              <a:t>29/12/2025</a:t>
+              <a:t>31/12/2025</a:t>
             </a:fld>
             <a:endParaRPr lang="fr-FR"/>
           </a:p>
@@ -4161,7 +4161,7 @@
           <a:p>
             <a:fld id="{CC4B85CD-F04B-4F9B-9886-724D2A41584B}" type="datetimeFigureOut">
               <a:rPr lang="fr-FR" smtClean="0"/>
-              <a:t>29/12/2025</a:t>
+              <a:t>31/12/2025</a:t>
             </a:fld>
             <a:endParaRPr lang="fr-FR"/>
           </a:p>
@@ -4444,7 +4444,7 @@
           <a:p>
             <a:fld id="{CC4B85CD-F04B-4F9B-9886-724D2A41584B}" type="datetimeFigureOut">
               <a:rPr lang="fr-FR" smtClean="0"/>
-              <a:t>29/12/2025</a:t>
+              <a:t>31/12/2025</a:t>
             </a:fld>
             <a:endParaRPr lang="fr-FR"/>
           </a:p>
@@ -4735,7 +4735,7 @@
           <a:p>
             <a:fld id="{CC4B85CD-F04B-4F9B-9886-724D2A41584B}" type="datetimeFigureOut">
               <a:rPr lang="fr-FR" smtClean="0"/>
-              <a:t>29/12/2025</a:t>
+              <a:t>31/12/2025</a:t>
             </a:fld>
             <a:endParaRPr lang="fr-FR"/>
           </a:p>
@@ -4966,7 +4966,7 @@
           <a:p>
             <a:fld id="{CC4B85CD-F04B-4F9B-9886-724D2A41584B}" type="datetimeFigureOut">
               <a:rPr lang="fr-FR" smtClean="0"/>
-              <a:t>29/12/2025</a:t>
+              <a:t>31/12/2025</a:t>
             </a:fld>
             <a:endParaRPr lang="fr-FR"/>
           </a:p>
@@ -7006,7 +7006,7 @@
         <p:spPr>
           <a:xfrm>
             <a:off x="1298289" y="869049"/>
-            <a:ext cx="6096000" cy="2862322"/>
+            <a:ext cx="6096000" cy="5139869"/>
           </a:xfrm>
           <a:prstGeom prst="rect">
             <a:avLst/>
@@ -7018,9 +7018,103 @@
           </a:bodyPr>
           <a:lstStyle/>
           <a:p>
-            <a:r>
-              <a:rPr lang="pl-PL" dirty="0"/>
-              <a:t>TAKTYCZNA PIASKOWNICA: Zarządzaj operacjami od A do Z z Kwatery Głównej. Solo lub Kooperacja (1-10 graczy). Pętla gry: WYPOSAŻENIE: Wybierz broń, pojazdy (lądowe/powietrzne) i rekrutuj sojuszników AI. USTAWIENIA: Dostosuj czas i pogodę do swojej strategii. CEL: Aktywuj dynamiczne i możliwe do łączenia misje (zabójstwo, zniszczenie...). AKCJA: Rozmieszczenie, walka i powrót do KG. KOMPATYBILNOŚĆ z niezbędnymi modami: RHS, CUP, TMT, R3F, BWMod, FFAA, VME PLA, NIArms...&lt;/Polish&gt;</a:t>
+            <a:pPr algn="ctr"/>
+            <a:r>
+              <a:rPr lang="de-DE" sz="2800" dirty="0">
+                <a:solidFill>
+                  <a:srgbClr val="00B050"/>
+                </a:solidFill>
+                <a:latin typeface="Consolas" panose="020B0609020204030204" pitchFamily="49" charset="0"/>
+              </a:rPr>
+              <a:t>TACTICAL SANDBOX: </a:t>
+            </a:r>
+          </a:p>
+          <a:p>
+            <a:r>
+              <a:rPr lang="pl-PL" sz="2000" dirty="0">
+                <a:latin typeface="Consolas" panose="020B0609020204030204" pitchFamily="49" charset="0"/>
+              </a:rPr>
+              <a:t>Zarządzaj operacjami od A do Z z Kwatery Głównej. Solo lub Kooperacja (1-10 graczy). Pętla gry: </a:t>
+            </a:r>
+            <a:endParaRPr lang="fr-FR" sz="2000" dirty="0">
+              <a:latin typeface="Consolas" panose="020B0609020204030204" pitchFamily="49" charset="0"/>
+            </a:endParaRPr>
+          </a:p>
+          <a:p>
+            <a:r>
+              <a:rPr lang="pl-PL" sz="2000" dirty="0">
+                <a:solidFill>
+                  <a:srgbClr val="FFC000"/>
+                </a:solidFill>
+                <a:latin typeface="Consolas" panose="020B0609020204030204" pitchFamily="49" charset="0"/>
+              </a:rPr>
+              <a:t>WYPOSAŻENIE: </a:t>
+            </a:r>
+            <a:r>
+              <a:rPr lang="pl-PL" sz="2000" dirty="0">
+                <a:latin typeface="Consolas" panose="020B0609020204030204" pitchFamily="49" charset="0"/>
+              </a:rPr>
+              <a:t>Wybierz broń, pojazdy (lądowe/powietrzne) i rekrutuj sojuszników AI. </a:t>
+            </a:r>
+            <a:endParaRPr lang="fr-FR" sz="2000" dirty="0">
+              <a:latin typeface="Consolas" panose="020B0609020204030204" pitchFamily="49" charset="0"/>
+            </a:endParaRPr>
+          </a:p>
+          <a:p>
+            <a:r>
+              <a:rPr lang="pl-PL" sz="2000" dirty="0">
+                <a:solidFill>
+                  <a:srgbClr val="FFC000"/>
+                </a:solidFill>
+                <a:latin typeface="Consolas" panose="020B0609020204030204" pitchFamily="49" charset="0"/>
+              </a:rPr>
+              <a:t>USTAWIENIA: </a:t>
+            </a:r>
+            <a:r>
+              <a:rPr lang="pl-PL" sz="2000" dirty="0">
+                <a:latin typeface="Consolas" panose="020B0609020204030204" pitchFamily="49" charset="0"/>
+              </a:rPr>
+              <a:t>Dostosuj czas i pogodę do swojej strategii. </a:t>
+            </a:r>
+            <a:endParaRPr lang="fr-FR" sz="2000" dirty="0">
+              <a:latin typeface="Consolas" panose="020B0609020204030204" pitchFamily="49" charset="0"/>
+            </a:endParaRPr>
+          </a:p>
+          <a:p>
+            <a:r>
+              <a:rPr lang="pl-PL" sz="2000" dirty="0">
+                <a:solidFill>
+                  <a:srgbClr val="FFC000"/>
+                </a:solidFill>
+                <a:latin typeface="Consolas" panose="020B0609020204030204" pitchFamily="49" charset="0"/>
+              </a:rPr>
+              <a:t>CEL: </a:t>
+            </a:r>
+            <a:r>
+              <a:rPr lang="pl-PL" sz="2000" dirty="0">
+                <a:latin typeface="Consolas" panose="020B0609020204030204" pitchFamily="49" charset="0"/>
+              </a:rPr>
+              <a:t>Aktywuj dynamiczne i możliwe do łączenia misje (zabójstwo, zniszczenie...). </a:t>
+            </a:r>
+            <a:endParaRPr lang="fr-FR" sz="2000" dirty="0">
+              <a:latin typeface="Consolas" panose="020B0609020204030204" pitchFamily="49" charset="0"/>
+            </a:endParaRPr>
+          </a:p>
+          <a:p>
+            <a:r>
+              <a:rPr lang="pl-PL" sz="2000" dirty="0">
+                <a:solidFill>
+                  <a:srgbClr val="FFC000"/>
+                </a:solidFill>
+                <a:latin typeface="Consolas" panose="020B0609020204030204" pitchFamily="49" charset="0"/>
+              </a:rPr>
+              <a:t>AKCJA: </a:t>
+            </a:r>
+            <a:r>
+              <a:rPr lang="pl-PL" sz="2000" dirty="0">
+                <a:latin typeface="Consolas" panose="020B0609020204030204" pitchFamily="49" charset="0"/>
+              </a:rPr>
+              <a:t>Rozmieszczenie, walka i powrót do KG. KOMPATYBILNOŚĆ z niezbędnymi modami: RHS, CUP, TMT, R3F, BWMod, FFAA, VME PLA, NIArms...</a:t>
             </a:r>
           </a:p>
         </p:txBody>
@@ -7551,8 +7645,8 @@
         </p:nvSpPr>
         <p:spPr>
           <a:xfrm>
-            <a:off x="1306571" y="1176825"/>
-            <a:ext cx="6096000" cy="4401205"/>
+            <a:off x="1250661" y="875565"/>
+            <a:ext cx="6096000" cy="4832092"/>
           </a:xfrm>
           <a:prstGeom prst="rect">
             <a:avLst/>
@@ -7564,19 +7658,35 @@
           </a:bodyPr>
           <a:lstStyle/>
           <a:p>
+            <a:pPr algn="ctr"/>
+            <a:r>
+              <a:rPr lang="de-DE" sz="2800" dirty="0">
+                <a:solidFill>
+                  <a:srgbClr val="00B050"/>
+                </a:solidFill>
+                <a:latin typeface="Consolas" panose="020B0609020204030204" pitchFamily="49" charset="0"/>
+              </a:rPr>
+              <a:t>TACTICAL SANDBOX: </a:t>
+            </a:r>
+          </a:p>
+          <a:p>
+            <a:r>
+              <a:rPr lang="fr-FR" sz="2000" dirty="0" err="1">
+                <a:latin typeface="Consolas" panose="020B0609020204030204" pitchFamily="49" charset="0"/>
+              </a:rPr>
+              <a:t>Spravujte</a:t>
+            </a:r>
             <a:r>
               <a:rPr lang="fr-FR" sz="2000" dirty="0">
                 <a:latin typeface="Consolas" panose="020B0609020204030204" pitchFamily="49" charset="0"/>
               </a:rPr>
-              <a:t>TAKTICKÝ SANDBOX </a:t>
-            </a:r>
-          </a:p>
-          <a:p>
+              <a:t> </a:t>
+            </a:r>
             <a:r>
               <a:rPr lang="fr-FR" sz="2000" dirty="0" err="1">
                 <a:latin typeface="Consolas" panose="020B0609020204030204" pitchFamily="49" charset="0"/>
               </a:rPr>
-              <a:t>Spravujte</a:t>
+              <a:t>své</a:t>
             </a:r>
             <a:r>
               <a:rPr lang="fr-FR" sz="2000" dirty="0">
@@ -7588,6 +7698,280 @@
               <a:rPr lang="fr-FR" sz="2000" dirty="0" err="1">
                 <a:latin typeface="Consolas" panose="020B0609020204030204" pitchFamily="49" charset="0"/>
               </a:rPr>
+              <a:t>operace</a:t>
+            </a:r>
+            <a:r>
+              <a:rPr lang="fr-FR" sz="2000" dirty="0">
+                <a:latin typeface="Consolas" panose="020B0609020204030204" pitchFamily="49" charset="0"/>
+              </a:rPr>
+              <a:t> </a:t>
+            </a:r>
+            <a:r>
+              <a:rPr lang="fr-FR" sz="2000" dirty="0" err="1">
+                <a:latin typeface="Consolas" panose="020B0609020204030204" pitchFamily="49" charset="0"/>
+              </a:rPr>
+              <a:t>od</a:t>
+            </a:r>
+            <a:r>
+              <a:rPr lang="fr-FR" sz="2000" dirty="0">
+                <a:latin typeface="Consolas" panose="020B0609020204030204" pitchFamily="49" charset="0"/>
+              </a:rPr>
+              <a:t> A do Z </a:t>
+            </a:r>
+            <a:r>
+              <a:rPr lang="fr-FR" sz="2000" dirty="0" err="1">
+                <a:latin typeface="Consolas" panose="020B0609020204030204" pitchFamily="49" charset="0"/>
+              </a:rPr>
+              <a:t>z</a:t>
+            </a:r>
+            <a:r>
+              <a:rPr lang="fr-FR" sz="2000" dirty="0">
+                <a:latin typeface="Consolas" panose="020B0609020204030204" pitchFamily="49" charset="0"/>
+              </a:rPr>
+              <a:t> </a:t>
+            </a:r>
+            <a:r>
+              <a:rPr lang="fr-FR" sz="2000" dirty="0" err="1">
+                <a:latin typeface="Consolas" panose="020B0609020204030204" pitchFamily="49" charset="0"/>
+              </a:rPr>
+              <a:t>velitelství</a:t>
+            </a:r>
+            <a:r>
+              <a:rPr lang="fr-FR" sz="2000" dirty="0">
+                <a:latin typeface="Consolas" panose="020B0609020204030204" pitchFamily="49" charset="0"/>
+              </a:rPr>
+              <a:t>. </a:t>
+            </a:r>
+            <a:r>
+              <a:rPr lang="fr-FR" sz="2000" dirty="0" err="1">
+                <a:latin typeface="Consolas" panose="020B0609020204030204" pitchFamily="49" charset="0"/>
+              </a:rPr>
+              <a:t>Sólo</a:t>
+            </a:r>
+            <a:r>
+              <a:rPr lang="fr-FR" sz="2000" dirty="0">
+                <a:latin typeface="Consolas" panose="020B0609020204030204" pitchFamily="49" charset="0"/>
+              </a:rPr>
+              <a:t> </a:t>
+            </a:r>
+            <a:r>
+              <a:rPr lang="fr-FR" sz="2000" dirty="0" err="1">
+                <a:latin typeface="Consolas" panose="020B0609020204030204" pitchFamily="49" charset="0"/>
+              </a:rPr>
+              <a:t>nebo</a:t>
+            </a:r>
+            <a:r>
+              <a:rPr lang="fr-FR" sz="2000" dirty="0">
+                <a:latin typeface="Consolas" panose="020B0609020204030204" pitchFamily="49" charset="0"/>
+              </a:rPr>
+              <a:t> </a:t>
+            </a:r>
+            <a:r>
+              <a:rPr lang="fr-FR" sz="2000" dirty="0" err="1">
+                <a:latin typeface="Consolas" panose="020B0609020204030204" pitchFamily="49" charset="0"/>
+              </a:rPr>
+              <a:t>Kooperace</a:t>
+            </a:r>
+            <a:r>
+              <a:rPr lang="fr-FR" sz="2000" dirty="0">
+                <a:latin typeface="Consolas" panose="020B0609020204030204" pitchFamily="49" charset="0"/>
+              </a:rPr>
+              <a:t> (1-10 </a:t>
+            </a:r>
+            <a:r>
+              <a:rPr lang="fr-FR" sz="2000" dirty="0" err="1">
+                <a:latin typeface="Consolas" panose="020B0609020204030204" pitchFamily="49" charset="0"/>
+              </a:rPr>
+              <a:t>hráčů</a:t>
+            </a:r>
+            <a:r>
+              <a:rPr lang="fr-FR" sz="2000" dirty="0">
+                <a:latin typeface="Consolas" panose="020B0609020204030204" pitchFamily="49" charset="0"/>
+              </a:rPr>
+              <a:t>). </a:t>
+            </a:r>
+            <a:r>
+              <a:rPr lang="fr-FR" sz="2000" dirty="0" err="1">
+                <a:latin typeface="Consolas" panose="020B0609020204030204" pitchFamily="49" charset="0"/>
+              </a:rPr>
+              <a:t>Herní</a:t>
+            </a:r>
+            <a:r>
+              <a:rPr lang="fr-FR" sz="2000" dirty="0">
+                <a:latin typeface="Consolas" panose="020B0609020204030204" pitchFamily="49" charset="0"/>
+              </a:rPr>
+              <a:t> </a:t>
+            </a:r>
+            <a:r>
+              <a:rPr lang="fr-FR" sz="2000" dirty="0" err="1">
+                <a:latin typeface="Consolas" panose="020B0609020204030204" pitchFamily="49" charset="0"/>
+              </a:rPr>
+              <a:t>smyčka</a:t>
+            </a:r>
+            <a:r>
+              <a:rPr lang="fr-FR" sz="2000" dirty="0">
+                <a:latin typeface="Consolas" panose="020B0609020204030204" pitchFamily="49" charset="0"/>
+              </a:rPr>
+              <a:t>: </a:t>
+            </a:r>
+          </a:p>
+          <a:p>
+            <a:r>
+              <a:rPr lang="fr-FR" sz="2000" dirty="0">
+                <a:solidFill>
+                  <a:srgbClr val="FFC000"/>
+                </a:solidFill>
+                <a:latin typeface="Consolas" panose="020B0609020204030204" pitchFamily="49" charset="0"/>
+              </a:rPr>
+              <a:t>VYBAVENÍ: </a:t>
+            </a:r>
+            <a:r>
+              <a:rPr lang="fr-FR" sz="2000" dirty="0" err="1">
+                <a:latin typeface="Consolas" panose="020B0609020204030204" pitchFamily="49" charset="0"/>
+              </a:rPr>
+              <a:t>Vyberte</a:t>
+            </a:r>
+            <a:r>
+              <a:rPr lang="fr-FR" sz="2000" dirty="0">
+                <a:latin typeface="Consolas" panose="020B0609020204030204" pitchFamily="49" charset="0"/>
+              </a:rPr>
+              <a:t> </a:t>
+            </a:r>
+            <a:r>
+              <a:rPr lang="fr-FR" sz="2000" dirty="0" err="1">
+                <a:latin typeface="Consolas" panose="020B0609020204030204" pitchFamily="49" charset="0"/>
+              </a:rPr>
+              <a:t>zbraně</a:t>
+            </a:r>
+            <a:r>
+              <a:rPr lang="fr-FR" sz="2000" dirty="0">
+                <a:latin typeface="Consolas" panose="020B0609020204030204" pitchFamily="49" charset="0"/>
+              </a:rPr>
+              <a:t>, </a:t>
+            </a:r>
+            <a:r>
+              <a:rPr lang="fr-FR" sz="2000" dirty="0" err="1">
+                <a:latin typeface="Consolas" panose="020B0609020204030204" pitchFamily="49" charset="0"/>
+              </a:rPr>
+              <a:t>vozidla</a:t>
+            </a:r>
+            <a:r>
+              <a:rPr lang="fr-FR" sz="2000" dirty="0">
+                <a:latin typeface="Consolas" panose="020B0609020204030204" pitchFamily="49" charset="0"/>
+              </a:rPr>
+              <a:t> (</a:t>
+            </a:r>
+            <a:r>
+              <a:rPr lang="fr-FR" sz="2000" dirty="0" err="1">
+                <a:latin typeface="Consolas" panose="020B0609020204030204" pitchFamily="49" charset="0"/>
+              </a:rPr>
+              <a:t>pozemní</a:t>
+            </a:r>
+            <a:r>
+              <a:rPr lang="fr-FR" sz="2000" dirty="0">
+                <a:latin typeface="Consolas" panose="020B0609020204030204" pitchFamily="49" charset="0"/>
+              </a:rPr>
+              <a:t>/</a:t>
+            </a:r>
+            <a:r>
+              <a:rPr lang="fr-FR" sz="2000" dirty="0" err="1">
+                <a:latin typeface="Consolas" panose="020B0609020204030204" pitchFamily="49" charset="0"/>
+              </a:rPr>
+              <a:t>vzdušná</a:t>
+            </a:r>
+            <a:r>
+              <a:rPr lang="fr-FR" sz="2000" dirty="0">
+                <a:latin typeface="Consolas" panose="020B0609020204030204" pitchFamily="49" charset="0"/>
+              </a:rPr>
+              <a:t>) a </a:t>
+            </a:r>
+            <a:r>
+              <a:rPr lang="fr-FR" sz="2000" dirty="0" err="1">
+                <a:latin typeface="Consolas" panose="020B0609020204030204" pitchFamily="49" charset="0"/>
+              </a:rPr>
+              <a:t>naverbujte</a:t>
+            </a:r>
+            <a:r>
+              <a:rPr lang="fr-FR" sz="2000" dirty="0">
+                <a:latin typeface="Consolas" panose="020B0609020204030204" pitchFamily="49" charset="0"/>
+              </a:rPr>
+              <a:t> AI </a:t>
+            </a:r>
+            <a:r>
+              <a:rPr lang="fr-FR" sz="2000" dirty="0" err="1">
+                <a:latin typeface="Consolas" panose="020B0609020204030204" pitchFamily="49" charset="0"/>
+              </a:rPr>
+              <a:t>spojence</a:t>
+            </a:r>
+            <a:r>
+              <a:rPr lang="fr-FR" sz="2000" dirty="0">
+                <a:latin typeface="Consolas" panose="020B0609020204030204" pitchFamily="49" charset="0"/>
+              </a:rPr>
+              <a:t>. </a:t>
+            </a:r>
+          </a:p>
+          <a:p>
+            <a:r>
+              <a:rPr lang="fr-FR" sz="2000" dirty="0">
+                <a:solidFill>
+                  <a:srgbClr val="FFC000"/>
+                </a:solidFill>
+                <a:latin typeface="Consolas" panose="020B0609020204030204" pitchFamily="49" charset="0"/>
+              </a:rPr>
+              <a:t>NASTAVENÍ: </a:t>
+            </a:r>
+            <a:r>
+              <a:rPr lang="fr-FR" sz="2000" dirty="0" err="1">
+                <a:latin typeface="Consolas" panose="020B0609020204030204" pitchFamily="49" charset="0"/>
+              </a:rPr>
+              <a:t>Upravte</a:t>
+            </a:r>
+            <a:r>
+              <a:rPr lang="fr-FR" sz="2000" dirty="0">
+                <a:latin typeface="Consolas" panose="020B0609020204030204" pitchFamily="49" charset="0"/>
+              </a:rPr>
+              <a:t> </a:t>
+            </a:r>
+            <a:r>
+              <a:rPr lang="fr-FR" sz="2000" dirty="0" err="1">
+                <a:latin typeface="Consolas" panose="020B0609020204030204" pitchFamily="49" charset="0"/>
+              </a:rPr>
+              <a:t>čas</a:t>
+            </a:r>
+            <a:r>
+              <a:rPr lang="fr-FR" sz="2000" dirty="0">
+                <a:latin typeface="Consolas" panose="020B0609020204030204" pitchFamily="49" charset="0"/>
+              </a:rPr>
+              <a:t> a </a:t>
+            </a:r>
+            <a:r>
+              <a:rPr lang="fr-FR" sz="2000" dirty="0" err="1">
+                <a:latin typeface="Consolas" panose="020B0609020204030204" pitchFamily="49" charset="0"/>
+              </a:rPr>
+              <a:t>počasí</a:t>
+            </a:r>
+            <a:r>
+              <a:rPr lang="fr-FR" sz="2000" dirty="0">
+                <a:latin typeface="Consolas" panose="020B0609020204030204" pitchFamily="49" charset="0"/>
+              </a:rPr>
+              <a:t> </a:t>
+            </a:r>
+            <a:r>
+              <a:rPr lang="fr-FR" sz="2000" dirty="0" err="1">
+                <a:latin typeface="Consolas" panose="020B0609020204030204" pitchFamily="49" charset="0"/>
+              </a:rPr>
+              <a:t>podle</a:t>
+            </a:r>
+            <a:r>
+              <a:rPr lang="fr-FR" sz="2000" dirty="0">
+                <a:latin typeface="Consolas" panose="020B0609020204030204" pitchFamily="49" charset="0"/>
+              </a:rPr>
+              <a:t> </a:t>
+            </a:r>
+            <a:r>
+              <a:rPr lang="fr-FR" sz="2000" dirty="0" err="1">
+                <a:latin typeface="Consolas" panose="020B0609020204030204" pitchFamily="49" charset="0"/>
+              </a:rPr>
               <a:t>své</a:t>
             </a:r>
             <a:r>
@@ -7600,358 +7984,92 @@
               <a:rPr lang="fr-FR" sz="2000" dirty="0" err="1">
                 <a:latin typeface="Consolas" panose="020B0609020204030204" pitchFamily="49" charset="0"/>
               </a:rPr>
-              <a:t>operace</a:t>
+              <a:t>strategie</a:t>
             </a:r>
             <a:r>
               <a:rPr lang="fr-FR" sz="2000" dirty="0">
                 <a:latin typeface="Consolas" panose="020B0609020204030204" pitchFamily="49" charset="0"/>
               </a:rPr>
+              <a:t>. </a:t>
+            </a:r>
+          </a:p>
+          <a:p>
+            <a:r>
+              <a:rPr lang="fr-FR" sz="2000" dirty="0">
+                <a:solidFill>
+                  <a:srgbClr val="FFC000"/>
+                </a:solidFill>
+                <a:latin typeface="Consolas" panose="020B0609020204030204" pitchFamily="49" charset="0"/>
+              </a:rPr>
+              <a:t>CÍL: </a:t>
+            </a:r>
+            <a:r>
+              <a:rPr lang="fr-FR" sz="2000" dirty="0" err="1">
+                <a:latin typeface="Consolas" panose="020B0609020204030204" pitchFamily="49" charset="0"/>
+              </a:rPr>
+              <a:t>Aktivujte</a:t>
+            </a:r>
+            <a:r>
+              <a:rPr lang="fr-FR" sz="2000" dirty="0">
+                <a:latin typeface="Consolas" panose="020B0609020204030204" pitchFamily="49" charset="0"/>
+              </a:rPr>
               <a:t> </a:t>
             </a:r>
             <a:r>
               <a:rPr lang="fr-FR" sz="2000" dirty="0" err="1">
                 <a:latin typeface="Consolas" panose="020B0609020204030204" pitchFamily="49" charset="0"/>
               </a:rPr>
-              <a:t>od</a:t>
+              <a:t>dynamické</a:t>
             </a:r>
             <a:r>
               <a:rPr lang="fr-FR" sz="2000" dirty="0">
                 <a:latin typeface="Consolas" panose="020B0609020204030204" pitchFamily="49" charset="0"/>
               </a:rPr>
-              <a:t> A do Z </a:t>
+              <a:t> a </a:t>
             </a:r>
             <a:r>
               <a:rPr lang="fr-FR" sz="2000" dirty="0" err="1">
                 <a:latin typeface="Consolas" panose="020B0609020204030204" pitchFamily="49" charset="0"/>
               </a:rPr>
-              <a:t>z</a:t>
+              <a:t>stohovatelné</a:t>
             </a:r>
             <a:r>
               <a:rPr lang="fr-FR" sz="2000" dirty="0">
                 <a:latin typeface="Consolas" panose="020B0609020204030204" pitchFamily="49" charset="0"/>
               </a:rPr>
-              <a:t> </a:t>
+              <a:t> mise (</a:t>
             </a:r>
             <a:r>
               <a:rPr lang="fr-FR" sz="2000" dirty="0" err="1">
                 <a:latin typeface="Consolas" panose="020B0609020204030204" pitchFamily="49" charset="0"/>
               </a:rPr>
-              <a:t>velitelství</a:t>
+              <a:t>atentát</a:t>
             </a:r>
             <a:r>
               <a:rPr lang="fr-FR" sz="2000" dirty="0">
                 <a:latin typeface="Consolas" panose="020B0609020204030204" pitchFamily="49" charset="0"/>
               </a:rPr>
-              <a:t>. </a:t>
+              <a:t>, </a:t>
             </a:r>
             <a:r>
               <a:rPr lang="fr-FR" sz="2000" dirty="0" err="1">
                 <a:latin typeface="Consolas" panose="020B0609020204030204" pitchFamily="49" charset="0"/>
               </a:rPr>
-              <a:t>Sólo</a:t>
+              <a:t>zničení</a:t>
             </a:r>
             <a:r>
               <a:rPr lang="fr-FR" sz="2000" dirty="0">
                 <a:latin typeface="Consolas" panose="020B0609020204030204" pitchFamily="49" charset="0"/>
               </a:rPr>
-              <a:t> </a:t>
-            </a:r>
-            <a:r>
-              <a:rPr lang="fr-FR" sz="2000" dirty="0" err="1">
-                <a:latin typeface="Consolas" panose="020B0609020204030204" pitchFamily="49" charset="0"/>
-              </a:rPr>
-              <a:t>nebo</a:t>
-            </a:r>
+              <a:t>...). </a:t>
+            </a:r>
+          </a:p>
+          <a:p>
             <a:r>
               <a:rPr lang="fr-FR" sz="2000" dirty="0">
-                <a:latin typeface="Consolas" panose="020B0609020204030204" pitchFamily="49" charset="0"/>
-              </a:rPr>
-              <a:t> </a:t>
-            </a:r>
-            <a:r>
-              <a:rPr lang="fr-FR" sz="2000" dirty="0" err="1">
-                <a:latin typeface="Consolas" panose="020B0609020204030204" pitchFamily="49" charset="0"/>
-              </a:rPr>
-              <a:t>Kooperace</a:t>
-            </a:r>
-            <a:r>
-              <a:rPr lang="fr-FR" sz="2000" dirty="0">
-                <a:latin typeface="Consolas" panose="020B0609020204030204" pitchFamily="49" charset="0"/>
-              </a:rPr>
-              <a:t> (1-10 </a:t>
-            </a:r>
-            <a:r>
-              <a:rPr lang="fr-FR" sz="2000" dirty="0" err="1">
-                <a:latin typeface="Consolas" panose="020B0609020204030204" pitchFamily="49" charset="0"/>
-              </a:rPr>
-              <a:t>hráčů</a:t>
-            </a:r>
-            <a:r>
-              <a:rPr lang="fr-FR" sz="2000" dirty="0">
-                <a:latin typeface="Consolas" panose="020B0609020204030204" pitchFamily="49" charset="0"/>
-              </a:rPr>
-              <a:t>). </a:t>
-            </a:r>
-            <a:r>
-              <a:rPr lang="fr-FR" sz="2000" dirty="0" err="1">
-                <a:latin typeface="Consolas" panose="020B0609020204030204" pitchFamily="49" charset="0"/>
-              </a:rPr>
-              <a:t>Herní</a:t>
-            </a:r>
-            <a:r>
-              <a:rPr lang="fr-FR" sz="2000" dirty="0">
-                <a:latin typeface="Consolas" panose="020B0609020204030204" pitchFamily="49" charset="0"/>
-              </a:rPr>
-              <a:t> </a:t>
-            </a:r>
-            <a:r>
-              <a:rPr lang="fr-FR" sz="2000" dirty="0" err="1">
-                <a:latin typeface="Consolas" panose="020B0609020204030204" pitchFamily="49" charset="0"/>
-              </a:rPr>
-              <a:t>smyčka</a:t>
-            </a:r>
-            <a:r>
-              <a:rPr lang="fr-FR" sz="2000" dirty="0">
-                <a:latin typeface="Consolas" panose="020B0609020204030204" pitchFamily="49" charset="0"/>
-              </a:rPr>
-              <a:t>: </a:t>
-            </a:r>
-          </a:p>
-          <a:p>
-            <a:r>
-              <a:rPr lang="fr-FR" sz="2000" dirty="0">
-                <a:latin typeface="Consolas" panose="020B0609020204030204" pitchFamily="49" charset="0"/>
-              </a:rPr>
-              <a:t>VYBAVENÍ: </a:t>
-            </a:r>
-            <a:r>
-              <a:rPr lang="fr-FR" sz="2000" dirty="0" err="1">
-                <a:latin typeface="Consolas" panose="020B0609020204030204" pitchFamily="49" charset="0"/>
-              </a:rPr>
-              <a:t>Vyberte</a:t>
-            </a:r>
-            <a:r>
-              <a:rPr lang="fr-FR" sz="2000" dirty="0">
-                <a:latin typeface="Consolas" panose="020B0609020204030204" pitchFamily="49" charset="0"/>
-              </a:rPr>
-              <a:t> </a:t>
-            </a:r>
-            <a:r>
-              <a:rPr lang="fr-FR" sz="2000" dirty="0" err="1">
-                <a:latin typeface="Consolas" panose="020B0609020204030204" pitchFamily="49" charset="0"/>
-              </a:rPr>
-              <a:t>zbraně</a:t>
-            </a:r>
-            <a:r>
-              <a:rPr lang="fr-FR" sz="2000" dirty="0">
-                <a:latin typeface="Consolas" panose="020B0609020204030204" pitchFamily="49" charset="0"/>
-              </a:rPr>
-              <a:t>, </a:t>
-            </a:r>
-            <a:r>
-              <a:rPr lang="fr-FR" sz="2000" dirty="0" err="1">
-                <a:latin typeface="Consolas" panose="020B0609020204030204" pitchFamily="49" charset="0"/>
-              </a:rPr>
-              <a:t>vozidla</a:t>
-            </a:r>
-            <a:r>
-              <a:rPr lang="fr-FR" sz="2000" dirty="0">
-                <a:latin typeface="Consolas" panose="020B0609020204030204" pitchFamily="49" charset="0"/>
-              </a:rPr>
-              <a:t> (</a:t>
-            </a:r>
-            <a:r>
-              <a:rPr lang="fr-FR" sz="2000" dirty="0" err="1">
-                <a:latin typeface="Consolas" panose="020B0609020204030204" pitchFamily="49" charset="0"/>
-              </a:rPr>
-              <a:t>pozemní</a:t>
-            </a:r>
-            <a:r>
-              <a:rPr lang="fr-FR" sz="2000" dirty="0">
-                <a:latin typeface="Consolas" panose="020B0609020204030204" pitchFamily="49" charset="0"/>
-              </a:rPr>
-              <a:t>/</a:t>
-            </a:r>
-            <a:r>
-              <a:rPr lang="fr-FR" sz="2000" dirty="0" err="1">
-                <a:latin typeface="Consolas" panose="020B0609020204030204" pitchFamily="49" charset="0"/>
-              </a:rPr>
-              <a:t>vzdušná</a:t>
-            </a:r>
-            <a:r>
-              <a:rPr lang="fr-FR" sz="2000" dirty="0">
-                <a:latin typeface="Consolas" panose="020B0609020204030204" pitchFamily="49" charset="0"/>
-              </a:rPr>
-              <a:t>) a </a:t>
-            </a:r>
-            <a:r>
-              <a:rPr lang="fr-FR" sz="2000" dirty="0" err="1">
-                <a:latin typeface="Consolas" panose="020B0609020204030204" pitchFamily="49" charset="0"/>
-              </a:rPr>
-              <a:t>naverbujte</a:t>
-            </a:r>
-            <a:r>
-              <a:rPr lang="fr-FR" sz="2000" dirty="0">
-                <a:latin typeface="Consolas" panose="020B0609020204030204" pitchFamily="49" charset="0"/>
-              </a:rPr>
-              <a:t> AI </a:t>
-            </a:r>
-            <a:r>
-              <a:rPr lang="fr-FR" sz="2000" dirty="0" err="1">
-                <a:latin typeface="Consolas" panose="020B0609020204030204" pitchFamily="49" charset="0"/>
-              </a:rPr>
-              <a:t>spojence</a:t>
-            </a:r>
-            <a:r>
-              <a:rPr lang="fr-FR" sz="2000" dirty="0">
-                <a:latin typeface="Consolas" panose="020B0609020204030204" pitchFamily="49" charset="0"/>
-              </a:rPr>
-              <a:t>. NASTAVENÍ: </a:t>
-            </a:r>
-            <a:r>
-              <a:rPr lang="fr-FR" sz="2000" dirty="0" err="1">
-                <a:latin typeface="Consolas" panose="020B0609020204030204" pitchFamily="49" charset="0"/>
-              </a:rPr>
-              <a:t>Upravte</a:t>
-            </a:r>
-            <a:r>
-              <a:rPr lang="fr-FR" sz="2000" dirty="0">
-                <a:latin typeface="Consolas" panose="020B0609020204030204" pitchFamily="49" charset="0"/>
-              </a:rPr>
-              <a:t> </a:t>
-            </a:r>
-            <a:r>
-              <a:rPr lang="fr-FR" sz="2000" dirty="0" err="1">
-                <a:latin typeface="Consolas" panose="020B0609020204030204" pitchFamily="49" charset="0"/>
-              </a:rPr>
-              <a:t>čas</a:t>
-            </a:r>
-            <a:r>
-              <a:rPr lang="fr-FR" sz="2000" dirty="0">
-                <a:latin typeface="Consolas" panose="020B0609020204030204" pitchFamily="49" charset="0"/>
-              </a:rPr>
-              <a:t> a </a:t>
-            </a:r>
-            <a:r>
-              <a:rPr lang="fr-FR" sz="2000" dirty="0" err="1">
-                <a:latin typeface="Consolas" panose="020B0609020204030204" pitchFamily="49" charset="0"/>
-              </a:rPr>
-              <a:t>počasí</a:t>
-            </a:r>
-            <a:r>
-              <a:rPr lang="fr-FR" sz="2000" dirty="0">
-                <a:latin typeface="Consolas" panose="020B0609020204030204" pitchFamily="49" charset="0"/>
-              </a:rPr>
-              <a:t> </a:t>
-            </a:r>
-            <a:r>
-              <a:rPr lang="fr-FR" sz="2000" dirty="0" err="1">
-                <a:latin typeface="Consolas" panose="020B0609020204030204" pitchFamily="49" charset="0"/>
-              </a:rPr>
-              <a:t>podle</a:t>
-            </a:r>
-            <a:r>
-              <a:rPr lang="fr-FR" sz="2000" dirty="0">
-                <a:latin typeface="Consolas" panose="020B0609020204030204" pitchFamily="49" charset="0"/>
-              </a:rPr>
-              <a:t> </a:t>
-            </a:r>
-            <a:r>
-              <a:rPr lang="fr-FR" sz="2000" dirty="0" err="1">
-                <a:latin typeface="Consolas" panose="020B0609020204030204" pitchFamily="49" charset="0"/>
-              </a:rPr>
-              <a:t>své</a:t>
-            </a:r>
-            <a:r>
-              <a:rPr lang="fr-FR" sz="2000" dirty="0">
-                <a:latin typeface="Consolas" panose="020B0609020204030204" pitchFamily="49" charset="0"/>
-              </a:rPr>
-              <a:t> </a:t>
-            </a:r>
-            <a:r>
-              <a:rPr lang="fr-FR" sz="2000" dirty="0" err="1">
-                <a:latin typeface="Consolas" panose="020B0609020204030204" pitchFamily="49" charset="0"/>
-              </a:rPr>
-              <a:t>strategie</a:t>
-            </a:r>
-            <a:r>
-              <a:rPr lang="fr-FR" sz="2000" dirty="0">
-                <a:latin typeface="Consolas" panose="020B0609020204030204" pitchFamily="49" charset="0"/>
-              </a:rPr>
-              <a:t>. </a:t>
-            </a:r>
-          </a:p>
-          <a:p>
-            <a:r>
-              <a:rPr lang="fr-FR" sz="2000" dirty="0">
-                <a:latin typeface="Consolas" panose="020B0609020204030204" pitchFamily="49" charset="0"/>
-              </a:rPr>
-              <a:t>CÍL: </a:t>
-            </a:r>
-            <a:r>
-              <a:rPr lang="fr-FR" sz="2000" dirty="0" err="1">
-                <a:latin typeface="Consolas" panose="020B0609020204030204" pitchFamily="49" charset="0"/>
-              </a:rPr>
-              <a:t>Aktivujte</a:t>
-            </a:r>
-            <a:r>
-              <a:rPr lang="fr-FR" sz="2000" dirty="0">
-                <a:latin typeface="Consolas" panose="020B0609020204030204" pitchFamily="49" charset="0"/>
-              </a:rPr>
-              <a:t> </a:t>
-            </a:r>
-            <a:r>
-              <a:rPr lang="fr-FR" sz="2000" dirty="0" err="1">
-                <a:latin typeface="Consolas" panose="020B0609020204030204" pitchFamily="49" charset="0"/>
-              </a:rPr>
-              <a:t>dynamické</a:t>
-            </a:r>
-            <a:r>
-              <a:rPr lang="fr-FR" sz="2000" dirty="0">
-                <a:latin typeface="Consolas" panose="020B0609020204030204" pitchFamily="49" charset="0"/>
-              </a:rPr>
-              <a:t> a </a:t>
-            </a:r>
-            <a:r>
-              <a:rPr lang="fr-FR" sz="2000" dirty="0" err="1">
-                <a:latin typeface="Consolas" panose="020B0609020204030204" pitchFamily="49" charset="0"/>
-              </a:rPr>
-              <a:t>stohovatelné</a:t>
-            </a:r>
-            <a:r>
-              <a:rPr lang="fr-FR" sz="2000" dirty="0">
-                <a:latin typeface="Consolas" panose="020B0609020204030204" pitchFamily="49" charset="0"/>
-              </a:rPr>
-              <a:t> mise (</a:t>
-            </a:r>
-            <a:r>
-              <a:rPr lang="fr-FR" sz="2000" dirty="0" err="1">
-                <a:latin typeface="Consolas" panose="020B0609020204030204" pitchFamily="49" charset="0"/>
-              </a:rPr>
-              <a:t>atentát</a:t>
-            </a:r>
-            <a:r>
-              <a:rPr lang="fr-FR" sz="2000" dirty="0">
-                <a:latin typeface="Consolas" panose="020B0609020204030204" pitchFamily="49" charset="0"/>
-              </a:rPr>
-              <a:t>, </a:t>
-            </a:r>
-            <a:r>
-              <a:rPr lang="fr-FR" sz="2000" dirty="0" err="1">
-                <a:latin typeface="Consolas" panose="020B0609020204030204" pitchFamily="49" charset="0"/>
-              </a:rPr>
-              <a:t>zničení</a:t>
-            </a:r>
-            <a:r>
-              <a:rPr lang="fr-FR" sz="2000" dirty="0">
-                <a:latin typeface="Consolas" panose="020B0609020204030204" pitchFamily="49" charset="0"/>
-              </a:rPr>
-              <a:t>...). </a:t>
-            </a:r>
-          </a:p>
-          <a:p>
-            <a:r>
-              <a:rPr lang="fr-FR" sz="2000" dirty="0">
+                <a:solidFill>
+                  <a:srgbClr val="FFC000"/>
+                </a:solidFill>
                 <a:latin typeface="Consolas" panose="020B0609020204030204" pitchFamily="49" charset="0"/>
               </a:rPr>
               <a:t>AKCE: </a:t>
@@ -8594,9 +8712,29 @@
           </a:bodyPr>
           <a:lstStyle/>
           <a:p>
+            <a:pPr algn="ctr"/>
+            <a:r>
+              <a:rPr lang="zh-TW" altLang="fr-FR" sz="2800" dirty="0">
+                <a:solidFill>
+                  <a:srgbClr val="00B050"/>
+                </a:solidFill>
+              </a:rPr>
+              <a:t> </a:t>
+            </a:r>
+            <a:r>
+              <a:rPr lang="de-DE" sz="2800" dirty="0">
+                <a:solidFill>
+                  <a:srgbClr val="00B050"/>
+                </a:solidFill>
+                <a:latin typeface="Consolas" panose="020B0609020204030204" pitchFamily="49" charset="0"/>
+              </a:rPr>
+              <a:t>TACTICAL SANDBOX: </a:t>
+            </a:r>
+          </a:p>
+          <a:p>
             <a:r>
               <a:rPr lang="zh-TW" altLang="fr-FR" sz="2800" dirty="0"/>
-              <a:t> 戰術沙盒：從總部全權管理您的行動。單人或合作（</a:t>
+              <a:t>從總部全權管理您的行動。單人或合作（</a:t>
             </a:r>
             <a:r>
               <a:rPr lang="fr-FR" altLang="zh-TW" sz="2800" dirty="0"/>
@@ -8610,8 +8748,16 @@
           </a:p>
           <a:p>
             <a:r>
+              <a:rPr lang="zh-TW" altLang="fr-FR" sz="2800" dirty="0">
+                <a:solidFill>
+                  <a:srgbClr val="FFC000"/>
+                </a:solidFill>
+              </a:rPr>
+              <a:t>裝備</a:t>
+            </a:r>
+            <a:r>
               <a:rPr lang="zh-TW" altLang="fr-FR" sz="2800" dirty="0"/>
-              <a:t>裝備：選擇武器、載具（地面</a:t>
+              <a:t>：選擇武器、載具（地面</a:t>
             </a:r>
             <a:r>
               <a:rPr lang="fr-FR" altLang="zh-TW" sz="2800" dirty="0"/>
@@ -8633,8 +8779,28 @@
           </a:p>
           <a:p>
             <a:r>
+              <a:rPr lang="zh-TW" altLang="fr-FR" sz="2800" dirty="0">
+                <a:solidFill>
+                  <a:srgbClr val="FFC000"/>
+                </a:solidFill>
+              </a:rPr>
+              <a:t>設置</a:t>
+            </a:r>
+            <a:r>
               <a:rPr lang="zh-TW" altLang="fr-FR" sz="2800" dirty="0"/>
-              <a:t>設置：根據您的策略調整時間和天氣。目標：啟動動態和可疊加的任務（暗殺、破壞</a:t>
+              <a:t>：根據您的策略調整時間和天氣。</a:t>
+            </a:r>
+            <a:r>
+              <a:rPr lang="zh-TW" altLang="fr-FR" sz="2800" dirty="0">
+                <a:solidFill>
+                  <a:srgbClr val="FFC000"/>
+                </a:solidFill>
+              </a:rPr>
+              <a:t>目標</a:t>
+            </a:r>
+            <a:r>
+              <a:rPr lang="zh-TW" altLang="fr-FR" sz="2800" dirty="0"/>
+              <a:t>：啟動動態和可疊加的任務（暗殺、破壞</a:t>
             </a:r>
             <a:r>
               <a:rPr lang="fr-FR" altLang="zh-TW" sz="2800" dirty="0"/>
@@ -8648,8 +8814,16 @@
           </a:p>
           <a:p>
             <a:r>
+              <a:rPr lang="zh-TW" altLang="fr-FR" sz="2800" dirty="0">
+                <a:solidFill>
+                  <a:srgbClr val="FFC000"/>
+                </a:solidFill>
+              </a:rPr>
+              <a:t>行動</a:t>
+            </a:r>
+            <a:r>
               <a:rPr lang="zh-TW" altLang="fr-FR" sz="2800" dirty="0"/>
-              <a:t>行動：部署、戰鬥並返回總部。兼容必備模組：</a:t>
+              <a:t>：部署、戰鬥並返回總部。兼容必備模組：</a:t>
             </a:r>
             <a:r>
               <a:rPr lang="fr-FR" altLang="zh-TW" sz="2800" dirty="0"/>
@@ -9214,9 +9388,21 @@
           </a:bodyPr>
           <a:lstStyle/>
           <a:p>
+            <a:pPr algn="ctr"/>
+            <a:r>
+              <a:rPr lang="de-DE" sz="2800" dirty="0">
+                <a:solidFill>
+                  <a:srgbClr val="00B050"/>
+                </a:solidFill>
+                <a:latin typeface="Consolas" panose="020B0609020204030204" pitchFamily="49" charset="0"/>
+              </a:rPr>
+              <a:t>TACTICAL SANDBOX: </a:t>
+            </a:r>
+          </a:p>
+          <a:p>
             <a:r>
               <a:rPr lang="zh-CN" altLang="fr-FR" sz="2800" dirty="0"/>
-              <a:t>            战术沙盒：从总部全权管理您的行动。单人或合作（</a:t>
+              <a:t>从总部全权管理您的行动。单人或合作（</a:t>
             </a:r>
             <a:r>
               <a:rPr lang="fr-FR" altLang="zh-CN" sz="2800" dirty="0"/>
@@ -9230,8 +9416,16 @@
           </a:p>
           <a:p>
             <a:r>
+              <a:rPr lang="zh-CN" altLang="fr-FR" sz="2800" dirty="0">
+                <a:solidFill>
+                  <a:srgbClr val="FFC000"/>
+                </a:solidFill>
+              </a:rPr>
+              <a:t>装备</a:t>
+            </a:r>
+            <a:r>
               <a:rPr lang="zh-CN" altLang="fr-FR" sz="2800" dirty="0"/>
-              <a:t>装备：选择武器、载具（地面</a:t>
+              <a:t>：选择武器、载具（地面</a:t>
             </a:r>
             <a:r>
               <a:rPr lang="fr-FR" altLang="zh-CN" sz="2800" dirty="0"/>
@@ -9247,14 +9441,37 @@
             </a:r>
             <a:r>
               <a:rPr lang="zh-CN" altLang="fr-FR" sz="2800" dirty="0"/>
-              <a:t>盟友。设置：根据您的策略调整时间和天气。</a:t>
+              <a:t>盟友。</a:t>
             </a:r>
             <a:endParaRPr lang="fr-FR" altLang="zh-CN" sz="2800" dirty="0"/>
           </a:p>
           <a:p>
             <a:r>
+              <a:rPr lang="zh-CN" altLang="fr-FR" sz="2800" dirty="0">
+                <a:solidFill>
+                  <a:srgbClr val="FFC000"/>
+                </a:solidFill>
+              </a:rPr>
+              <a:t>设置</a:t>
+            </a:r>
+            <a:r>
               <a:rPr lang="zh-CN" altLang="fr-FR" sz="2800" dirty="0"/>
-              <a:t>目标：启动动态和可叠加的任务（暗杀、破坏</a:t>
+              <a:t>：根据您的策略调整时间和天气。</a:t>
+            </a:r>
+            <a:endParaRPr lang="fr-FR" altLang="zh-CN" sz="2800" dirty="0"/>
+          </a:p>
+          <a:p>
+            <a:r>
+              <a:rPr lang="zh-CN" altLang="fr-FR" sz="2800" dirty="0">
+                <a:solidFill>
+                  <a:srgbClr val="FFC000"/>
+                </a:solidFill>
+              </a:rPr>
+              <a:t>目标</a:t>
+            </a:r>
+            <a:r>
+              <a:rPr lang="zh-CN" altLang="fr-FR" sz="2800" dirty="0"/>
+              <a:t>：启动动态和可叠加的任务（暗杀、破坏</a:t>
             </a:r>
             <a:r>
               <a:rPr lang="fr-FR" altLang="zh-CN" sz="2800" dirty="0"/>
@@ -9268,8 +9485,16 @@
           </a:p>
           <a:p>
             <a:r>
+              <a:rPr lang="zh-CN" altLang="fr-FR" sz="2800" dirty="0">
+                <a:solidFill>
+                  <a:srgbClr val="FFC000"/>
+                </a:solidFill>
+              </a:rPr>
+              <a:t>行动</a:t>
+            </a:r>
+            <a:r>
               <a:rPr lang="zh-CN" altLang="fr-FR" sz="2800" dirty="0"/>
-              <a:t>行动：部署、战斗并返回总部。兼容必备模组：</a:t>
+              <a:t>：部署、战斗并返回总部。兼容必备模组：</a:t>
             </a:r>
             <a:r>
               <a:rPr lang="fr-FR" altLang="zh-CN" sz="2800" dirty="0"/>
@@ -9822,7 +10047,7 @@
         <p:spPr>
           <a:xfrm>
             <a:off x="1447253" y="1091008"/>
-            <a:ext cx="6096000" cy="4401205"/>
+            <a:ext cx="6096000" cy="4524315"/>
           </a:xfrm>
           <a:prstGeom prst="rect">
             <a:avLst/>
@@ -9834,43 +10059,74 @@
           </a:bodyPr>
           <a:lstStyle/>
           <a:p>
+            <a:pPr algn="ctr"/>
+            <a:r>
+              <a:rPr lang="en-US" sz="2800" dirty="0">
+                <a:solidFill>
+                  <a:srgbClr val="00B050"/>
+                </a:solidFill>
+                <a:latin typeface="Consolas" panose="020B0609020204030204" pitchFamily="49" charset="0"/>
+              </a:rPr>
+              <a:t>TACTICAL SANDBOX</a:t>
+            </a:r>
+          </a:p>
+          <a:p>
             <a:r>
               <a:rPr lang="en-US" sz="2000" dirty="0">
                 <a:latin typeface="Consolas" panose="020B0609020204030204" pitchFamily="49" charset="0"/>
               </a:rPr>
-              <a:t>TACTICAL SANDBOX</a:t>
+              <a:t>Manage your operations from A to Z from the HQ. Solo or Coop (1-10 players). The game loop: EQUIPMENT: Choose weapons, vehicles (ground/air) and recruit your AI allies. </a:t>
             </a:r>
           </a:p>
           <a:p>
             <a:r>
               <a:rPr lang="en-US" sz="2000" dirty="0">
-                <a:latin typeface="Consolas" panose="020B0609020204030204" pitchFamily="49" charset="0"/>
-              </a:rPr>
-              <a:t>Manage your operations from A to Z from the HQ. Solo or Coop (1-10 players). The game loop: EQUIPMENT: Choose weapons, vehicles (ground/air) and recruit your AI allies. </a:t>
-            </a:r>
-          </a:p>
-          <a:p>
+                <a:solidFill>
+                  <a:srgbClr val="FFC000"/>
+                </a:solidFill>
+                <a:latin typeface="Consolas" panose="020B0609020204030204" pitchFamily="49" charset="0"/>
+              </a:rPr>
+              <a:t>SETTINGS: </a:t>
+            </a:r>
             <a:r>
               <a:rPr lang="en-US" sz="2000" dirty="0">
                 <a:latin typeface="Consolas" panose="020B0609020204030204" pitchFamily="49" charset="0"/>
               </a:rPr>
-              <a:t>SETTINGS: Adjust time and weather according to your strategy. </a:t>
+              <a:t>Adjust time and weather according to your strategy. </a:t>
             </a:r>
           </a:p>
           <a:p>
             <a:r>
               <a:rPr lang="en-US" sz="2000" dirty="0">
-                <a:latin typeface="Consolas" panose="020B0609020204030204" pitchFamily="49" charset="0"/>
-              </a:rPr>
-              <a:t>OBJECTIVE: Activate dynamic and stackable missions (assassination, destruction...). </a:t>
-            </a:r>
-          </a:p>
-          <a:p>
+                <a:solidFill>
+                  <a:srgbClr val="FFC000"/>
+                </a:solidFill>
+                <a:latin typeface="Consolas" panose="020B0609020204030204" pitchFamily="49" charset="0"/>
+              </a:rPr>
+              <a:t>OBJECTIVE: </a:t>
+            </a:r>
             <a:r>
               <a:rPr lang="en-US" sz="2000" dirty="0">
                 <a:latin typeface="Consolas" panose="020B0609020204030204" pitchFamily="49" charset="0"/>
               </a:rPr>
-              <a:t>ACTION: Deploy, fight and return to HQ. COMPATIBILITY with essential mods: RHS, CUP, TMT, R3F, </a:t>
+              <a:t>Activate dynamic and stackable missions (assassination, destruction...). </a:t>
+            </a:r>
+          </a:p>
+          <a:p>
+            <a:r>
+              <a:rPr lang="en-US" sz="2000" dirty="0">
+                <a:solidFill>
+                  <a:srgbClr val="FFC000"/>
+                </a:solidFill>
+                <a:latin typeface="Consolas" panose="020B0609020204030204" pitchFamily="49" charset="0"/>
+              </a:rPr>
+              <a:t>ACTION: </a:t>
+            </a:r>
+            <a:r>
+              <a:rPr lang="en-US" sz="2000" dirty="0">
+                <a:latin typeface="Consolas" panose="020B0609020204030204" pitchFamily="49" charset="0"/>
+              </a:rPr>
+              <a:t>Deploy, fight and return to HQ. COMPATIBILITY with essential mods: RHS, CUP, TMT, R3F, </a:t>
             </a:r>
             <a:r>
               <a:rPr lang="en-US" sz="2000" dirty="0" err="1">
@@ -10430,7 +10686,7 @@
         <p:spPr>
           <a:xfrm>
             <a:off x="1447253" y="1074509"/>
-            <a:ext cx="6096000" cy="4708981"/>
+            <a:ext cx="6096000" cy="4832092"/>
           </a:xfrm>
           <a:prstGeom prst="rect">
             <a:avLst/>
@@ -10442,8 +10698,12 @@
           </a:bodyPr>
           <a:lstStyle/>
           <a:p>
-            <a:r>
-              <a:rPr lang="en-US" sz="2000" dirty="0">
+            <a:pPr algn="ctr"/>
+            <a:r>
+              <a:rPr lang="en-US" sz="2800" dirty="0">
+                <a:solidFill>
+                  <a:srgbClr val="00B050"/>
+                </a:solidFill>
                 <a:latin typeface="Consolas" panose="020B0609020204030204" pitchFamily="49" charset="0"/>
               </a:rPr>
               <a:t>TACTICAL SANDBOX</a:t>
@@ -10586,6 +10846,9 @@
           <a:p>
             <a:r>
               <a:rPr lang="fr-FR" sz="2000" dirty="0">
+                <a:solidFill>
+                  <a:srgbClr val="FFC000"/>
+                </a:solidFill>
                 <a:latin typeface="Consolas" panose="020B0609020204030204" pitchFamily="49" charset="0"/>
               </a:rPr>
               <a:t>EKİPMAN: </a:t>
@@ -10702,6 +10965,9 @@
           <a:p>
             <a:r>
               <a:rPr lang="fr-FR" sz="2000" dirty="0">
+                <a:solidFill>
+                  <a:srgbClr val="FFC000"/>
+                </a:solidFill>
                 <a:latin typeface="Consolas" panose="020B0609020204030204" pitchFamily="49" charset="0"/>
               </a:rPr>
               <a:t>AYARLAR: </a:t>
@@ -10782,6 +11048,9 @@
           <a:p>
             <a:r>
               <a:rPr lang="fr-FR" sz="2000" dirty="0">
+                <a:solidFill>
+                  <a:srgbClr val="FFC000"/>
+                </a:solidFill>
                 <a:latin typeface="Consolas" panose="020B0609020204030204" pitchFamily="49" charset="0"/>
               </a:rPr>
               <a:t>HEDEF: </a:t>
@@ -10874,6 +11143,9 @@
           <a:p>
             <a:r>
               <a:rPr lang="fr-FR" sz="2000" dirty="0">
+                <a:solidFill>
+                  <a:srgbClr val="FFC000"/>
+                </a:solidFill>
                 <a:latin typeface="Consolas" panose="020B0609020204030204" pitchFamily="49" charset="0"/>
               </a:rPr>
               <a:t>EYLEM: </a:t>
@@ -11520,7 +11792,7 @@
         <p:spPr>
           <a:xfrm>
             <a:off x="1447253" y="937120"/>
-            <a:ext cx="6096000" cy="4708981"/>
+            <a:ext cx="6096000" cy="4832092"/>
           </a:xfrm>
           <a:prstGeom prst="rect">
             <a:avLst/>
@@ -11532,8 +11804,12 @@
           </a:bodyPr>
           <a:lstStyle/>
           <a:p>
-            <a:r>
-              <a:rPr lang="en-US" sz="2000" dirty="0">
+            <a:pPr algn="ctr"/>
+            <a:r>
+              <a:rPr lang="en-US" sz="2800" dirty="0">
+                <a:solidFill>
+                  <a:srgbClr val="00B050"/>
+                </a:solidFill>
                 <a:latin typeface="Consolas" panose="020B0609020204030204" pitchFamily="49" charset="0"/>
               </a:rPr>
               <a:t>TACTICAL SANDBOX</a:t>
@@ -11550,17 +11826,35 @@
           <a:p>
             <a:r>
               <a:rPr lang="fr-FR" sz="2000" dirty="0">
-                <a:latin typeface="Consolas" panose="020B0609020204030204" pitchFamily="49" charset="0"/>
-              </a:rPr>
-              <a:t>EQUIPEMENENT : Choisissez armes, véhicules (sol/air) et recrutez vos alliés IA. </a:t>
-            </a:r>
-          </a:p>
-          <a:p>
+                <a:solidFill>
+                  <a:srgbClr val="FFC000"/>
+                </a:solidFill>
+                <a:latin typeface="Consolas" panose="020B0609020204030204" pitchFamily="49" charset="0"/>
+              </a:rPr>
+              <a:t>EQUIPEMENENT : </a:t>
+            </a:r>
             <a:r>
               <a:rPr lang="fr-FR" sz="2000" dirty="0">
                 <a:latin typeface="Consolas" panose="020B0609020204030204" pitchFamily="49" charset="0"/>
               </a:rPr>
-              <a:t>PARAMETRES : Réglez </a:t>
+              <a:t>Choisissez armes, véhicules (sol/air) et recrutez vos alliés IA. </a:t>
+            </a:r>
+          </a:p>
+          <a:p>
+            <a:r>
+              <a:rPr lang="fr-FR" sz="2000" dirty="0">
+                <a:solidFill>
+                  <a:srgbClr val="FFC000"/>
+                </a:solidFill>
+                <a:latin typeface="Consolas" panose="020B0609020204030204" pitchFamily="49" charset="0"/>
+              </a:rPr>
+              <a:t>PARAMETRES : </a:t>
+            </a:r>
+            <a:r>
+              <a:rPr lang="fr-FR" sz="2000" dirty="0">
+                <a:latin typeface="Consolas" panose="020B0609020204030204" pitchFamily="49" charset="0"/>
+              </a:rPr>
+              <a:t>Réglez </a:t>
             </a:r>
             <a:r>
               <a:rPr lang="fr-FR" sz="2000" dirty="0" err="1">
@@ -11578,17 +11872,35 @@
           <a:p>
             <a:r>
               <a:rPr lang="fr-FR" sz="2000" dirty="0">
-                <a:latin typeface="Consolas" panose="020B0609020204030204" pitchFamily="49" charset="0"/>
-              </a:rPr>
-              <a:t>OBJECTIF : Activez des missions dynamiques et cumulables (assassinat, destruction...).  </a:t>
-            </a:r>
-          </a:p>
-          <a:p>
+                <a:solidFill>
+                  <a:srgbClr val="FFC000"/>
+                </a:solidFill>
+                <a:latin typeface="Consolas" panose="020B0609020204030204" pitchFamily="49" charset="0"/>
+              </a:rPr>
+              <a:t>OBJECTIF : </a:t>
+            </a:r>
             <a:r>
               <a:rPr lang="fr-FR" sz="2000" dirty="0">
                 <a:latin typeface="Consolas" panose="020B0609020204030204" pitchFamily="49" charset="0"/>
               </a:rPr>
-              <a:t>ACTION : Déployez-vous, combattez et revenez au QG. COMPATIBILITE avec les mods incontournables : RHS, CUP, TMT, R3F, </a:t>
+              <a:t>Activez des missions dynamiques et cumulables (assassinat, destruction...).  </a:t>
+            </a:r>
+          </a:p>
+          <a:p>
+            <a:r>
+              <a:rPr lang="fr-FR" sz="2000" dirty="0">
+                <a:solidFill>
+                  <a:srgbClr val="FFC000"/>
+                </a:solidFill>
+                <a:latin typeface="Consolas" panose="020B0609020204030204" pitchFamily="49" charset="0"/>
+              </a:rPr>
+              <a:t>ACTION : </a:t>
+            </a:r>
+            <a:r>
+              <a:rPr lang="fr-FR" sz="2000" dirty="0">
+                <a:latin typeface="Consolas" panose="020B0609020204030204" pitchFamily="49" charset="0"/>
+              </a:rPr>
+              <a:t>Déployez-vous, combattez et revenez au QG. COMPATIBILITE avec les mods incontournables : RHS, CUP, TMT, R3F, </a:t>
             </a:r>
             <a:r>
               <a:rPr lang="fr-FR" sz="2000" dirty="0" err="1">
@@ -12144,7 +12456,7 @@
         <p:spPr>
           <a:xfrm>
             <a:off x="1298289" y="869049"/>
-            <a:ext cx="6096000" cy="5016758"/>
+            <a:ext cx="6096000" cy="5139869"/>
           </a:xfrm>
           <a:prstGeom prst="rect">
             <a:avLst/>
@@ -12156,51 +12468,91 @@
           </a:bodyPr>
           <a:lstStyle/>
           <a:p>
+            <a:pPr algn="ctr"/>
+            <a:r>
+              <a:rPr lang="de-DE" sz="2800" dirty="0">
+                <a:solidFill>
+                  <a:srgbClr val="00B050"/>
+                </a:solidFill>
+                <a:latin typeface="Consolas" panose="020B0609020204030204" pitchFamily="49" charset="0"/>
+              </a:rPr>
+              <a:t>TACTICAL SANDBOX: </a:t>
+            </a:r>
+          </a:p>
+          <a:p>
             <a:r>
               <a:rPr lang="de-DE" sz="2000" dirty="0">
                 <a:latin typeface="Consolas" panose="020B0609020204030204" pitchFamily="49" charset="0"/>
               </a:rPr>
-              <a:t>TACTICAL SANDBOX: </a:t>
+              <a:t>Verwalten Sie Ihre Operationen von A bis Z vom HQ aus. Einzelspieler oder Koop (1-10 Spieler). Der Spielablauf: </a:t>
             </a:r>
           </a:p>
           <a:p>
             <a:r>
               <a:rPr lang="de-DE" sz="2000" dirty="0">
-                <a:latin typeface="Consolas" panose="020B0609020204030204" pitchFamily="49" charset="0"/>
-              </a:rPr>
-              <a:t>Verwalten Sie Ihre Operationen von A bis Z vom HQ aus. Einzelspieler oder Koop (1-10 Spieler). Der Spielablauf: </a:t>
-            </a:r>
-          </a:p>
-          <a:p>
+                <a:solidFill>
+                  <a:srgbClr val="FFC000"/>
+                </a:solidFill>
+                <a:latin typeface="Consolas" panose="020B0609020204030204" pitchFamily="49" charset="0"/>
+              </a:rPr>
+              <a:t>AUSRÜSTUNG: </a:t>
+            </a:r>
             <a:r>
               <a:rPr lang="de-DE" sz="2000" dirty="0">
                 <a:latin typeface="Consolas" panose="020B0609020204030204" pitchFamily="49" charset="0"/>
               </a:rPr>
-              <a:t>AUSRÜSTUNG: Wählen Sie Waffen, Fahrzeuge (Boden/Luft) und rekrutieren Sie Ihre KI-Verbündeten.</a:t>
+              <a:t>Wählen Sie Waffen, Fahrzeuge (Boden/Luft) und rekrutieren Sie Ihre KI-Verbündeten.</a:t>
             </a:r>
           </a:p>
           <a:p>
             <a:r>
               <a:rPr lang="de-DE" sz="2000" dirty="0">
-                <a:latin typeface="Consolas" panose="020B0609020204030204" pitchFamily="49" charset="0"/>
-              </a:rPr>
-              <a:t>EINSTELLUNGEN: Stellen Sie Zeit und Wetter entsprechend Ihrer Strategie ein. </a:t>
-            </a:r>
-          </a:p>
-          <a:p>
+                <a:solidFill>
+                  <a:srgbClr val="FFC000"/>
+                </a:solidFill>
+                <a:latin typeface="Consolas" panose="020B0609020204030204" pitchFamily="49" charset="0"/>
+              </a:rPr>
+              <a:t>EINSTELLUNGEN: </a:t>
+            </a:r>
             <a:r>
               <a:rPr lang="de-DE" sz="2000" dirty="0">
                 <a:latin typeface="Consolas" panose="020B0609020204030204" pitchFamily="49" charset="0"/>
               </a:rPr>
-              <a:t>ZIEL: Aktivieren Sie dynamische und stapelbare Missionen (Attentat, Zerstörung...).</a:t>
+              <a:t>Stellen Sie Zeit und Wetter entsprechend Ihrer Strategie ein. </a:t>
             </a:r>
           </a:p>
           <a:p>
             <a:r>
               <a:rPr lang="de-DE" sz="2000" dirty="0">
-                <a:latin typeface="Consolas" panose="020B0609020204030204" pitchFamily="49" charset="0"/>
-              </a:rPr>
-              <a:t> AKTION: Einsatz, Kampf und Rückkehr zum HQ. KOMPATIBILITÄT mit unverzichtbaren Mods: RHS, CUP, TMT, R3F, BWMod, FFAA, VME PLA, NIArms...&lt;/German&gt;</a:t>
+                <a:solidFill>
+                  <a:srgbClr val="FFC000"/>
+                </a:solidFill>
+                <a:latin typeface="Consolas" panose="020B0609020204030204" pitchFamily="49" charset="0"/>
+              </a:rPr>
+              <a:t>ZIEL: </a:t>
+            </a:r>
+            <a:r>
+              <a:rPr lang="de-DE" sz="2000" dirty="0">
+                <a:latin typeface="Consolas" panose="020B0609020204030204" pitchFamily="49" charset="0"/>
+              </a:rPr>
+              <a:t>Aktivieren Sie dynamische und stapelbare Missionen (Attentat, Zerstörung...).</a:t>
+            </a:r>
+          </a:p>
+          <a:p>
+            <a:r>
+              <a:rPr lang="de-DE" sz="2000" dirty="0">
+                <a:solidFill>
+                  <a:srgbClr val="FFC000"/>
+                </a:solidFill>
+                <a:latin typeface="Consolas" panose="020B0609020204030204" pitchFamily="49" charset="0"/>
+              </a:rPr>
+              <a:t>AKTION: </a:t>
+            </a:r>
+            <a:r>
+              <a:rPr lang="de-DE" sz="2000" dirty="0">
+                <a:latin typeface="Consolas" panose="020B0609020204030204" pitchFamily="49" charset="0"/>
+              </a:rPr>
+              <a:t>Einsatz, Kampf und Rückkehr zum HQ. KOMPATIBILITÄT mit unverzichtbaren Mods: RHS, CUP, TMT, R3F, BWMod, FFAA, VME PLA, NIArms...&lt;/German&gt;</a:t>
             </a:r>
           </a:p>
         </p:txBody>
@@ -12732,7 +13084,7 @@
         <p:spPr>
           <a:xfrm>
             <a:off x="1298289" y="869049"/>
-            <a:ext cx="6096000" cy="3970318"/>
+            <a:ext cx="6096000" cy="5139869"/>
           </a:xfrm>
           <a:prstGeom prst="rect">
             <a:avLst/>
@@ -12744,62 +13096,126 @@
           </a:bodyPr>
           <a:lstStyle/>
           <a:p>
-            <a:r>
-              <a:rPr lang="es-ES" dirty="0"/>
-              <a:t>SANDBOX TÁCTICO</a:t>
-            </a:r>
-          </a:p>
-          <a:p>
-            <a:r>
-              <a:rPr lang="es-ES" dirty="0"/>
+            <a:pPr algn="ctr"/>
+            <a:r>
+              <a:rPr lang="de-DE" sz="2800" dirty="0">
+                <a:solidFill>
+                  <a:srgbClr val="00B050"/>
+                </a:solidFill>
+                <a:latin typeface="Consolas" panose="020B0609020204030204" pitchFamily="49" charset="0"/>
+              </a:rPr>
+              <a:t>TACTICAL SANDBOX: </a:t>
+            </a:r>
+          </a:p>
+          <a:p>
+            <a:r>
+              <a:rPr lang="es-ES" sz="2000" dirty="0">
+                <a:latin typeface="Consolas" panose="020B0609020204030204" pitchFamily="49" charset="0"/>
+              </a:rPr>
               <a:t>Gestiona tus operaciones de la A </a:t>
             </a:r>
             <a:r>
-              <a:rPr lang="es-ES" dirty="0" err="1"/>
+              <a:rPr lang="es-ES" sz="2000" dirty="0" err="1">
+                <a:latin typeface="Consolas" panose="020B0609020204030204" pitchFamily="49" charset="0"/>
+              </a:rPr>
               <a:t>a</a:t>
             </a:r>
             <a:r>
-              <a:rPr lang="es-ES" dirty="0"/>
+              <a:rPr lang="es-ES" sz="2000" dirty="0">
+                <a:latin typeface="Consolas" panose="020B0609020204030204" pitchFamily="49" charset="0"/>
+              </a:rPr>
               <a:t> la Z desde el Cuartel General. Solo o Cooperativo (1-10 jugadores). El ciclo de juego: </a:t>
             </a:r>
           </a:p>
           <a:p>
             <a:r>
-              <a:rPr lang="es-ES" dirty="0"/>
-              <a:t>EQUIPAMIENTO: Elige armas, vehículos (tierra/aire) y recluta a tus aliados de la IA. </a:t>
-            </a:r>
-          </a:p>
-          <a:p>
-            <a:r>
-              <a:rPr lang="es-ES" dirty="0"/>
-              <a:t>AJUSTES: Configura la hora y el clima según tu estrategia. </a:t>
-            </a:r>
-          </a:p>
-          <a:p>
-            <a:r>
-              <a:rPr lang="es-ES" dirty="0"/>
-              <a:t>OBJETIVO: Activa misiones dinámicas y acumulables (asesinato, destrucción...). </a:t>
-            </a:r>
-          </a:p>
-          <a:p>
-            <a:r>
-              <a:rPr lang="es-ES" dirty="0"/>
-              <a:t>ACCIÓN: Despliégate, combate y regresa al Cuartel General. COMPATIBILIDAD con mods imprescindibles: RHS, CUP, TMT, R3F, </a:t>
-            </a:r>
-            <a:r>
-              <a:rPr lang="es-ES" dirty="0" err="1"/>
+              <a:rPr lang="es-ES" sz="2000" dirty="0">
+                <a:solidFill>
+                  <a:srgbClr val="FFC000"/>
+                </a:solidFill>
+                <a:latin typeface="Consolas" panose="020B0609020204030204" pitchFamily="49" charset="0"/>
+              </a:rPr>
+              <a:t>EQUIPAMIENTO: </a:t>
+            </a:r>
+            <a:r>
+              <a:rPr lang="es-ES" sz="2000" dirty="0">
+                <a:latin typeface="Consolas" panose="020B0609020204030204" pitchFamily="49" charset="0"/>
+              </a:rPr>
+              <a:t>Elige armas, vehículos (tierra/aire) y recluta a tus aliados de la IA. </a:t>
+            </a:r>
+          </a:p>
+          <a:p>
+            <a:r>
+              <a:rPr lang="es-ES" sz="2000" dirty="0">
+                <a:solidFill>
+                  <a:srgbClr val="FFC000"/>
+                </a:solidFill>
+                <a:latin typeface="Consolas" panose="020B0609020204030204" pitchFamily="49" charset="0"/>
+              </a:rPr>
+              <a:t>AJUSTES: </a:t>
+            </a:r>
+            <a:r>
+              <a:rPr lang="es-ES" sz="2000" dirty="0">
+                <a:latin typeface="Consolas" panose="020B0609020204030204" pitchFamily="49" charset="0"/>
+              </a:rPr>
+              <a:t>Configura la hora y el clima según tu estrategia. </a:t>
+            </a:r>
+          </a:p>
+          <a:p>
+            <a:r>
+              <a:rPr lang="es-ES" sz="2000" dirty="0">
+                <a:solidFill>
+                  <a:srgbClr val="FFC000"/>
+                </a:solidFill>
+                <a:latin typeface="Consolas" panose="020B0609020204030204" pitchFamily="49" charset="0"/>
+              </a:rPr>
+              <a:t>OBJETIVO: </a:t>
+            </a:r>
+            <a:r>
+              <a:rPr lang="es-ES" sz="2000" dirty="0">
+                <a:latin typeface="Consolas" panose="020B0609020204030204" pitchFamily="49" charset="0"/>
+              </a:rPr>
+              <a:t>Activa misiones dinámicas y acumulables (asesinato, destrucción...). </a:t>
+            </a:r>
+          </a:p>
+          <a:p>
+            <a:r>
+              <a:rPr lang="es-ES" sz="2000" dirty="0">
+                <a:solidFill>
+                  <a:srgbClr val="FFC000"/>
+                </a:solidFill>
+                <a:latin typeface="Consolas" panose="020B0609020204030204" pitchFamily="49" charset="0"/>
+              </a:rPr>
+              <a:t>ACCIÓN: </a:t>
+            </a:r>
+            <a:r>
+              <a:rPr lang="es-ES" sz="2000" dirty="0">
+                <a:latin typeface="Consolas" panose="020B0609020204030204" pitchFamily="49" charset="0"/>
+              </a:rPr>
+              <a:t>Despliégate, combate y regresa al Cuartel General. COMPATIBILIDAD con mods imprescindibles: RHS, CUP, TMT, R3F, </a:t>
+            </a:r>
+            <a:r>
+              <a:rPr lang="es-ES" sz="2000" dirty="0" err="1">
+                <a:latin typeface="Consolas" panose="020B0609020204030204" pitchFamily="49" charset="0"/>
+              </a:rPr>
               <a:t>BWMod</a:t>
             </a:r>
             <a:r>
-              <a:rPr lang="es-ES" dirty="0"/>
+              <a:rPr lang="es-ES" sz="2000" dirty="0">
+                <a:latin typeface="Consolas" panose="020B0609020204030204" pitchFamily="49" charset="0"/>
+              </a:rPr>
               <a:t>, FFAA, VME PLA, </a:t>
             </a:r>
             <a:r>
-              <a:rPr lang="es-ES" dirty="0" err="1"/>
+              <a:rPr lang="es-ES" sz="2000" dirty="0" err="1">
+                <a:latin typeface="Consolas" panose="020B0609020204030204" pitchFamily="49" charset="0"/>
+              </a:rPr>
               <a:t>NIArms</a:t>
             </a:r>
             <a:r>
-              <a:rPr lang="es-ES" dirty="0"/>
+              <a:rPr lang="es-ES" sz="2000" dirty="0">
+                <a:latin typeface="Consolas" panose="020B0609020204030204" pitchFamily="49" charset="0"/>
+              </a:rPr>
               <a:t>...</a:t>
             </a:r>
           </a:p>
@@ -13332,7 +13748,7 @@
         <p:spPr>
           <a:xfrm>
             <a:off x="1298289" y="1091008"/>
-            <a:ext cx="6096000" cy="4401205"/>
+            <a:ext cx="6096000" cy="4462760"/>
           </a:xfrm>
           <a:prstGeom prst="rect">
             <a:avLst/>
@@ -13344,51 +13760,91 @@
           </a:bodyPr>
           <a:lstStyle/>
           <a:p>
+            <a:pPr algn="ctr"/>
+            <a:r>
+              <a:rPr lang="de-DE" sz="2400" dirty="0">
+                <a:solidFill>
+                  <a:srgbClr val="00B050"/>
+                </a:solidFill>
+                <a:latin typeface="Consolas" panose="020B0609020204030204" pitchFamily="49" charset="0"/>
+              </a:rPr>
+              <a:t>TACTICAL SANDBOX: </a:t>
+            </a:r>
+          </a:p>
+          <a:p>
             <a:r>
               <a:rPr lang="it-IT" sz="2000" dirty="0">
                 <a:latin typeface="Consolas" panose="020B0609020204030204" pitchFamily="49" charset="0"/>
               </a:rPr>
-              <a:t>SANDBOX TATTICO</a:t>
+              <a:t>Gestisci le tue operazioni dalla A alla Z dal QG. Singolo o Coop (1-10 giocatori). Il ciclo di gioco: </a:t>
             </a:r>
           </a:p>
           <a:p>
             <a:r>
               <a:rPr lang="it-IT" sz="2000" dirty="0">
-                <a:latin typeface="Consolas" panose="020B0609020204030204" pitchFamily="49" charset="0"/>
-              </a:rPr>
-              <a:t>Gestisci le tue operazioni dalla A alla Z dal QG. Singolo o Coop (1-10 giocatori). Il ciclo di gioco: </a:t>
-            </a:r>
-          </a:p>
-          <a:p>
+                <a:solidFill>
+                  <a:srgbClr val="FFC000"/>
+                </a:solidFill>
+                <a:latin typeface="Consolas" panose="020B0609020204030204" pitchFamily="49" charset="0"/>
+              </a:rPr>
+              <a:t>EQUIPAGGIAMENTO: </a:t>
+            </a:r>
             <a:r>
               <a:rPr lang="it-IT" sz="2000" dirty="0">
                 <a:latin typeface="Consolas" panose="020B0609020204030204" pitchFamily="49" charset="0"/>
               </a:rPr>
-              <a:t>EQUIPAGGIAMENTO: Scegli armi, veicoli (terra/aria) e recluta i tuoi alleati IA. </a:t>
+              <a:t>Scegli armi, veicoli (terra/aria) e recluta i tuoi alleati IA. </a:t>
             </a:r>
           </a:p>
           <a:p>
             <a:r>
               <a:rPr lang="it-IT" sz="2000" dirty="0">
-                <a:latin typeface="Consolas" panose="020B0609020204030204" pitchFamily="49" charset="0"/>
-              </a:rPr>
-              <a:t>IMPOSTAZIONI: Regola l&amp;apos;ora e il meteo secondo la tua strategia. </a:t>
-            </a:r>
-          </a:p>
-          <a:p>
+                <a:solidFill>
+                  <a:srgbClr val="FFC000"/>
+                </a:solidFill>
+                <a:latin typeface="Consolas" panose="020B0609020204030204" pitchFamily="49" charset="0"/>
+              </a:rPr>
+              <a:t>IMPOSTAZIONI: </a:t>
+            </a:r>
             <a:r>
               <a:rPr lang="it-IT" sz="2000" dirty="0">
                 <a:latin typeface="Consolas" panose="020B0609020204030204" pitchFamily="49" charset="0"/>
               </a:rPr>
-              <a:t>OBIETTIVO: Attiva missioni dinamiche e cumulabili (assassinio, distruzione...). </a:t>
+              <a:t>Regola l&amp;apos;ora e il meteo secondo la tua strategia. </a:t>
             </a:r>
           </a:p>
           <a:p>
             <a:r>
               <a:rPr lang="it-IT" sz="2000" dirty="0">
-                <a:latin typeface="Consolas" panose="020B0609020204030204" pitchFamily="49" charset="0"/>
-              </a:rPr>
-              <a:t>AZIONE: Schieramento, combattimento e ritorno al QG. COMPATIBILITÀ con mod essenziali: RHS, CUP, TMT, R3F, BWMod, FFAA, VME PLA, NIArms...&lt;/Italian&gt;</a:t>
+                <a:solidFill>
+                  <a:srgbClr val="FFC000"/>
+                </a:solidFill>
+                <a:latin typeface="Consolas" panose="020B0609020204030204" pitchFamily="49" charset="0"/>
+              </a:rPr>
+              <a:t>OBIETTIVO: </a:t>
+            </a:r>
+            <a:r>
+              <a:rPr lang="it-IT" sz="2000" dirty="0">
+                <a:latin typeface="Consolas" panose="020B0609020204030204" pitchFamily="49" charset="0"/>
+              </a:rPr>
+              <a:t>Attiva missioni dinamiche e cumulabili (assassinio, distruzione...). </a:t>
+            </a:r>
+          </a:p>
+          <a:p>
+            <a:r>
+              <a:rPr lang="it-IT" sz="2000" dirty="0">
+                <a:solidFill>
+                  <a:srgbClr val="FFC000"/>
+                </a:solidFill>
+                <a:latin typeface="Consolas" panose="020B0609020204030204" pitchFamily="49" charset="0"/>
+              </a:rPr>
+              <a:t>AZIONE: </a:t>
+            </a:r>
+            <a:r>
+              <a:rPr lang="it-IT" sz="2000" dirty="0">
+                <a:latin typeface="Consolas" panose="020B0609020204030204" pitchFamily="49" charset="0"/>
+              </a:rPr>
+              <a:t>Schieramento, combattimento e ritorno al QG. COMPATIBILITÀ con mod essenziali: RHS, CUP, TMT, R3F, BWMod, FFAA, VME PLA, NIArms...&lt;/Italian&gt;</a:t>
             </a:r>
           </a:p>
         </p:txBody>
@@ -13920,7 +14376,7 @@
         <p:spPr>
           <a:xfrm>
             <a:off x="1298289" y="869049"/>
-            <a:ext cx="6096000" cy="3970318"/>
+            <a:ext cx="6096000" cy="5139869"/>
           </a:xfrm>
           <a:prstGeom prst="rect">
             <a:avLst/>
@@ -13932,9 +14388,103 @@
           </a:bodyPr>
           <a:lstStyle/>
           <a:p>
-            <a:r>
-              <a:rPr lang="ru-RU" dirty="0"/>
-              <a:t>            &lt;Russian&gt;ТАКТИЧЕСКАЯ ПЕСОЧНИЦА: Управляйте своими операциями от А до Я из штаба. Одиночная или кооперативная игра (1-10 игроков). Игровой цикл: СНАРЯЖЕНИЕ: Выбирайте оружие, технику (наземную/воздушную) и нанимайте союзников ИИ. НАСТРОЙКИ: Настраивайте время и погоду в соответствии с вашей стратегией. ЦЕЛЬ: Активируйте динамические и суммируемые миссии (убийство, уничтожение...). ДЕЙСТВИЕ: Развертывание, бой и возвращение в штаб. СОВМЕСТИМОСТЬ с основными модами: RHS, CUP, TMT, R3F, BWMod, FFAA, VME PLA, NIArms...&lt;/Russian&gt;</a:t>
+            <a:pPr algn="ctr"/>
+            <a:r>
+              <a:rPr lang="de-DE" sz="2800" dirty="0">
+                <a:solidFill>
+                  <a:srgbClr val="00B050"/>
+                </a:solidFill>
+                <a:latin typeface="Consolas" panose="020B0609020204030204" pitchFamily="49" charset="0"/>
+              </a:rPr>
+              <a:t>TACTICAL SANDBOX: </a:t>
+            </a:r>
+          </a:p>
+          <a:p>
+            <a:r>
+              <a:rPr lang="ru-RU" sz="2000" dirty="0">
+                <a:latin typeface="Consolas" panose="020B0609020204030204" pitchFamily="49" charset="0"/>
+              </a:rPr>
+              <a:t>Управляйте своими операциями от А до Я из штаба. Одиночная или кооперативная игра (1-10 игроков). Игровой цикл: </a:t>
+            </a:r>
+            <a:endParaRPr lang="fr-FR" sz="2000" dirty="0">
+              <a:latin typeface="Consolas" panose="020B0609020204030204" pitchFamily="49" charset="0"/>
+            </a:endParaRPr>
+          </a:p>
+          <a:p>
+            <a:r>
+              <a:rPr lang="ru-RU" sz="2000" dirty="0">
+                <a:solidFill>
+                  <a:srgbClr val="FFC000"/>
+                </a:solidFill>
+                <a:latin typeface="Consolas" panose="020B0609020204030204" pitchFamily="49" charset="0"/>
+              </a:rPr>
+              <a:t>СНАРЯЖЕНИЕ: </a:t>
+            </a:r>
+            <a:r>
+              <a:rPr lang="ru-RU" sz="2000" dirty="0">
+                <a:latin typeface="Consolas" panose="020B0609020204030204" pitchFamily="49" charset="0"/>
+              </a:rPr>
+              <a:t>Выбирайте оружие, технику (наземную/воздушную) и нанимайте союзников ИИ. </a:t>
+            </a:r>
+            <a:endParaRPr lang="fr-FR" sz="2000" dirty="0">
+              <a:latin typeface="Consolas" panose="020B0609020204030204" pitchFamily="49" charset="0"/>
+            </a:endParaRPr>
+          </a:p>
+          <a:p>
+            <a:r>
+              <a:rPr lang="ru-RU" sz="2000" dirty="0">
+                <a:solidFill>
+                  <a:srgbClr val="FFC000"/>
+                </a:solidFill>
+                <a:latin typeface="Consolas" panose="020B0609020204030204" pitchFamily="49" charset="0"/>
+              </a:rPr>
+              <a:t>НАСТРОЙКИ: </a:t>
+            </a:r>
+            <a:r>
+              <a:rPr lang="ru-RU" sz="2000" dirty="0">
+                <a:latin typeface="Consolas" panose="020B0609020204030204" pitchFamily="49" charset="0"/>
+              </a:rPr>
+              <a:t>Настраивайте время и погоду в соответствии с вашей стратегией. </a:t>
+            </a:r>
+            <a:endParaRPr lang="fr-FR" sz="2000" dirty="0">
+              <a:latin typeface="Consolas" panose="020B0609020204030204" pitchFamily="49" charset="0"/>
+            </a:endParaRPr>
+          </a:p>
+          <a:p>
+            <a:r>
+              <a:rPr lang="ru-RU" sz="2000" dirty="0">
+                <a:solidFill>
+                  <a:srgbClr val="FFC000"/>
+                </a:solidFill>
+                <a:latin typeface="Consolas" panose="020B0609020204030204" pitchFamily="49" charset="0"/>
+              </a:rPr>
+              <a:t>ЦЕЛЬ: </a:t>
+            </a:r>
+            <a:r>
+              <a:rPr lang="ru-RU" sz="2000" dirty="0">
+                <a:latin typeface="Consolas" panose="020B0609020204030204" pitchFamily="49" charset="0"/>
+              </a:rPr>
+              <a:t>Активируйте динамические и суммируемые миссии (убийство, уничтожение...). </a:t>
+            </a:r>
+            <a:endParaRPr lang="fr-FR" sz="2000" dirty="0">
+              <a:latin typeface="Consolas" panose="020B0609020204030204" pitchFamily="49" charset="0"/>
+            </a:endParaRPr>
+          </a:p>
+          <a:p>
+            <a:r>
+              <a:rPr lang="ru-RU" sz="2000" dirty="0">
+                <a:solidFill>
+                  <a:srgbClr val="FFC000"/>
+                </a:solidFill>
+                <a:latin typeface="Consolas" panose="020B0609020204030204" pitchFamily="49" charset="0"/>
+              </a:rPr>
+              <a:t>ДЕЙСТВИЕ: </a:t>
+            </a:r>
+            <a:r>
+              <a:rPr lang="ru-RU" sz="2000" dirty="0">
+                <a:latin typeface="Consolas" panose="020B0609020204030204" pitchFamily="49" charset="0"/>
+              </a:rPr>
+              <a:t>Развертывание, бой и возвращение в штаб. СОВМЕСТИМОСТЬ с основными модами: RHS, CUP, TMT, R3F, BWMod, FFAA, VME PLA, NIArms…</a:t>
             </a:r>
           </a:p>
         </p:txBody>
@@ -14465,8 +15015,8 @@
         </p:nvSpPr>
         <p:spPr>
           <a:xfrm>
-            <a:off x="1298289" y="869049"/>
-            <a:ext cx="6096000" cy="3139321"/>
+            <a:off x="1298289" y="766732"/>
+            <a:ext cx="6096000" cy="5447645"/>
           </a:xfrm>
           <a:prstGeom prst="rect">
             <a:avLst/>
@@ -14478,45 +15028,133 @@
           </a:bodyPr>
           <a:lstStyle/>
           <a:p>
-            <a:r>
-              <a:rPr lang="es-ES"/>
-              <a:t> SANDBOX </a:t>
-            </a:r>
-            <a:r>
-              <a:rPr lang="es-ES" dirty="0"/>
-              <a:t>TÁCTICO: Gestiona tus operaciones de la A </a:t>
-            </a:r>
-            <a:r>
-              <a:rPr lang="es-ES" dirty="0" err="1"/>
+            <a:pPr algn="ctr"/>
+            <a:r>
+              <a:rPr lang="de-DE" sz="2800" dirty="0">
+                <a:solidFill>
+                  <a:srgbClr val="00B050"/>
+                </a:solidFill>
+                <a:latin typeface="Consolas" panose="020B0609020204030204" pitchFamily="49" charset="0"/>
+              </a:rPr>
+              <a:t>TACTICAL SANDBOX: </a:t>
+            </a:r>
+          </a:p>
+          <a:p>
+            <a:r>
+              <a:rPr lang="es-ES" sz="2000" dirty="0">
+                <a:latin typeface="Consolas" panose="020B0609020204030204" pitchFamily="49" charset="0"/>
+              </a:rPr>
+              <a:t>Gestiona tus operaciones de la A </a:t>
+            </a:r>
+            <a:r>
+              <a:rPr lang="es-ES" sz="2000" dirty="0" err="1">
+                <a:latin typeface="Consolas" panose="020B0609020204030204" pitchFamily="49" charset="0"/>
+              </a:rPr>
               <a:t>a</a:t>
             </a:r>
             <a:r>
-              <a:rPr lang="es-ES" dirty="0"/>
-              <a:t> la Z desde el Cuartel General. Solo o Cooperativo (1-10 jugadores). El ciclo de juego: EQUIPAMIENTO: Elige armas, vehículos (tierra/aire) y recluta a tus aliados de la IA. AJUSTES: Configura la hora y el clima según tu estrategia. OBJETIVO: Activa misiones dinámicas y acumulables (asesinato, destrucción...). ACCIÓN: Despliégate, combate y regresa al Cuartel General. COMPATIBILIDAD con mods imprescindibles: RHS, CUP, TMT, R3F, </a:t>
-            </a:r>
-            <a:r>
-              <a:rPr lang="es-ES" dirty="0" err="1"/>
+              <a:rPr lang="es-ES" sz="2000" dirty="0">
+                <a:latin typeface="Consolas" panose="020B0609020204030204" pitchFamily="49" charset="0"/>
+              </a:rPr>
+              <a:t> la Z desde el Cuartel General. Solo o Cooperativo (1-10 jugadores). El ciclo de juego: </a:t>
+            </a:r>
+          </a:p>
+          <a:p>
+            <a:r>
+              <a:rPr lang="es-ES" sz="2000" dirty="0">
+                <a:solidFill>
+                  <a:srgbClr val="FFC000"/>
+                </a:solidFill>
+                <a:latin typeface="Consolas" panose="020B0609020204030204" pitchFamily="49" charset="0"/>
+              </a:rPr>
+              <a:t>EQUIPAMIENTO: </a:t>
+            </a:r>
+            <a:r>
+              <a:rPr lang="es-ES" sz="2000" dirty="0">
+                <a:latin typeface="Consolas" panose="020B0609020204030204" pitchFamily="49" charset="0"/>
+              </a:rPr>
+              <a:t>Elige armas, vehículos (tierra/aire) y recluta a tus aliados de la IA. </a:t>
+            </a:r>
+          </a:p>
+          <a:p>
+            <a:r>
+              <a:rPr lang="es-ES" sz="2000" dirty="0">
+                <a:solidFill>
+                  <a:srgbClr val="FFC000"/>
+                </a:solidFill>
+                <a:latin typeface="Consolas" panose="020B0609020204030204" pitchFamily="49" charset="0"/>
+              </a:rPr>
+              <a:t>AJUSTES: </a:t>
+            </a:r>
+            <a:r>
+              <a:rPr lang="es-ES" sz="2000" dirty="0">
+                <a:latin typeface="Consolas" panose="020B0609020204030204" pitchFamily="49" charset="0"/>
+              </a:rPr>
+              <a:t>Configura la hora y el clima según tu estrategia. </a:t>
+            </a:r>
+          </a:p>
+          <a:p>
+            <a:r>
+              <a:rPr lang="es-ES" sz="2000" dirty="0">
+                <a:solidFill>
+                  <a:srgbClr val="FFC000"/>
+                </a:solidFill>
+                <a:latin typeface="Consolas" panose="020B0609020204030204" pitchFamily="49" charset="0"/>
+              </a:rPr>
+              <a:t>OBJETIVO: </a:t>
+            </a:r>
+            <a:r>
+              <a:rPr lang="es-ES" sz="2000" dirty="0">
+                <a:latin typeface="Consolas" panose="020B0609020204030204" pitchFamily="49" charset="0"/>
+              </a:rPr>
+              <a:t>Activa misiones dinámicas y acumulables (asesinato, destrucción...). </a:t>
+            </a:r>
+            <a:r>
+              <a:rPr lang="es-ES" sz="2000" dirty="0">
+                <a:solidFill>
+                  <a:srgbClr val="FFC000"/>
+                </a:solidFill>
+                <a:latin typeface="Consolas" panose="020B0609020204030204" pitchFamily="49" charset="0"/>
+              </a:rPr>
+              <a:t>ACCIÓN: </a:t>
+            </a:r>
+            <a:r>
+              <a:rPr lang="es-ES" sz="2000" dirty="0">
+                <a:latin typeface="Consolas" panose="020B0609020204030204" pitchFamily="49" charset="0"/>
+              </a:rPr>
+              <a:t>Despliégate, combate y regresa al Cuartel General. </a:t>
+            </a:r>
+          </a:p>
+          <a:p>
+            <a:r>
+              <a:rPr lang="es-ES" sz="2000" dirty="0">
+                <a:latin typeface="Consolas" panose="020B0609020204030204" pitchFamily="49" charset="0"/>
+              </a:rPr>
+              <a:t>COMPATIBILIDAD con mods imprescindibles: RHS, CUP, TMT, R3F, </a:t>
+            </a:r>
+            <a:r>
+              <a:rPr lang="es-ES" sz="2000" dirty="0" err="1">
+                <a:latin typeface="Consolas" panose="020B0609020204030204" pitchFamily="49" charset="0"/>
+              </a:rPr>
               <a:t>BWMod</a:t>
             </a:r>
             <a:r>
-              <a:rPr lang="es-ES" dirty="0"/>
+              <a:rPr lang="es-ES" sz="2000" dirty="0">
+                <a:latin typeface="Consolas" panose="020B0609020204030204" pitchFamily="49" charset="0"/>
+              </a:rPr>
               <a:t>, FFAA, VME PLA, </a:t>
             </a:r>
             <a:r>
-              <a:rPr lang="es-ES" dirty="0" err="1"/>
+              <a:rPr lang="es-ES" sz="2000" dirty="0" err="1">
+                <a:latin typeface="Consolas" panose="020B0609020204030204" pitchFamily="49" charset="0"/>
+              </a:rPr>
               <a:t>NIArms</a:t>
             </a:r>
             <a:r>
-              <a:rPr lang="es-ES" dirty="0"/>
-              <a:t>...&lt;/</a:t>
-            </a:r>
-            <a:r>
-              <a:rPr lang="es-ES" dirty="0" err="1"/>
-              <a:t>Spanish</a:t>
-            </a:r>
-            <a:r>
-              <a:rPr lang="es-ES" dirty="0"/>
-              <a:t>&gt;</a:t>
+              <a:rPr lang="es-ES" sz="2000" dirty="0">
+                <a:latin typeface="Consolas" panose="020B0609020204030204" pitchFamily="49" charset="0"/>
+              </a:rPr>
+              <a:t>...</a:t>
             </a:r>
           </a:p>
         </p:txBody>

--- a/01%20TACTICAL%20SANDBOX%20-%20Molos%20Version.Altis/other/Presentation1.pptx
+++ b/01%20TACTICAL%20SANDBOX%20-%20Molos%20Version.Altis/other/Presentation1.pptx
@@ -7114,8 +7114,41 @@
               <a:rPr lang="pl-PL" sz="2000" dirty="0">
                 <a:latin typeface="Consolas" panose="020B0609020204030204" pitchFamily="49" charset="0"/>
               </a:rPr>
-              <a:t>Rozmieszczenie, walka i powrót do KG. KOMPATYBILNOŚĆ z niezbędnymi modami: RHS, CUP, TMT, R3F, BWMod, FFAA, VME PLA, NIArms...</a:t>
-            </a:r>
+              <a:t>Rozmieszczenie, walka i powrót do KG. KOMPATYBILNOŚĆ z niezbędnymi modami: </a:t>
+            </a:r>
+            <a:r>
+              <a:rPr lang="en-US" sz="2000" dirty="0">
+                <a:latin typeface="Consolas" panose="020B0609020204030204" pitchFamily="49" charset="0"/>
+              </a:rPr>
+              <a:t>AMF, RHS, CUP, TMT, R3F, </a:t>
+            </a:r>
+            <a:r>
+              <a:rPr lang="en-US" sz="2000" dirty="0" err="1">
+                <a:latin typeface="Consolas" panose="020B0609020204030204" pitchFamily="49" charset="0"/>
+              </a:rPr>
+              <a:t>BWMod</a:t>
+            </a:r>
+            <a:r>
+              <a:rPr lang="en-US" sz="2000" dirty="0">
+                <a:latin typeface="Consolas" panose="020B0609020204030204" pitchFamily="49" charset="0"/>
+              </a:rPr>
+              <a:t>, FFAA, VME PLA, </a:t>
+            </a:r>
+            <a:r>
+              <a:rPr lang="en-US" sz="2000" dirty="0" err="1">
+                <a:latin typeface="Consolas" panose="020B0609020204030204" pitchFamily="49" charset="0"/>
+              </a:rPr>
+              <a:t>NIArms</a:t>
+            </a:r>
+            <a:r>
+              <a:rPr lang="en-US" sz="2000" dirty="0">
+                <a:latin typeface="Consolas" panose="020B0609020204030204" pitchFamily="49" charset="0"/>
+              </a:rPr>
+              <a:t>...</a:t>
+            </a:r>
+            <a:endParaRPr lang="pl-PL" sz="2000" dirty="0">
+              <a:latin typeface="Consolas" panose="020B0609020204030204" pitchFamily="49" charset="0"/>
+            </a:endParaRPr>
           </a:p>
         </p:txBody>
       </p:sp>
@@ -8144,32 +8177,41 @@
               <a:rPr lang="fr-FR" sz="2000" dirty="0">
                 <a:latin typeface="Consolas" panose="020B0609020204030204" pitchFamily="49" charset="0"/>
               </a:rPr>
-              <a:t>: RHS, CUP, TMT, R3F, </a:t>
-            </a:r>
-            <a:r>
-              <a:rPr lang="fr-FR" sz="2000" dirty="0" err="1">
+              <a:t>: </a:t>
+            </a:r>
+            <a:r>
+              <a:rPr lang="en-US" sz="2000" dirty="0">
+                <a:latin typeface="Consolas" panose="020B0609020204030204" pitchFamily="49" charset="0"/>
+              </a:rPr>
+              <a:t>AMF, RHS, CUP, TMT, R3F, </a:t>
+            </a:r>
+            <a:r>
+              <a:rPr lang="en-US" sz="2000" dirty="0" err="1">
                 <a:latin typeface="Consolas" panose="020B0609020204030204" pitchFamily="49" charset="0"/>
               </a:rPr>
               <a:t>BWMod</a:t>
             </a:r>
             <a:r>
-              <a:rPr lang="fr-FR" sz="2000" dirty="0">
+              <a:rPr lang="en-US" sz="2000" dirty="0">
                 <a:latin typeface="Consolas" panose="020B0609020204030204" pitchFamily="49" charset="0"/>
               </a:rPr>
               <a:t>, FFAA, VME PLA, </a:t>
             </a:r>
             <a:r>
-              <a:rPr lang="fr-FR" sz="2000" dirty="0" err="1">
+              <a:rPr lang="en-US" sz="2000" dirty="0" err="1">
                 <a:latin typeface="Consolas" panose="020B0609020204030204" pitchFamily="49" charset="0"/>
               </a:rPr>
               <a:t>NIArms</a:t>
             </a:r>
             <a:r>
-              <a:rPr lang="fr-FR" sz="2000" dirty="0">
+              <a:rPr lang="en-US" sz="2000" dirty="0">
                 <a:latin typeface="Consolas" panose="020B0609020204030204" pitchFamily="49" charset="0"/>
               </a:rPr>
               <a:t>...</a:t>
             </a:r>
+            <a:endParaRPr lang="fr-FR" sz="2000" dirty="0">
+              <a:latin typeface="Consolas" panose="020B0609020204030204" pitchFamily="49" charset="0"/>
+            </a:endParaRPr>
           </a:p>
         </p:txBody>
       </p:sp>
@@ -8700,7 +8742,7 @@
         <p:spPr>
           <a:xfrm>
             <a:off x="1298289" y="891546"/>
-            <a:ext cx="6096000" cy="4832092"/>
+            <a:ext cx="6096000" cy="5262979"/>
           </a:xfrm>
           <a:prstGeom prst="rect">
             <a:avLst/>
@@ -8826,23 +8868,33 @@
               <a:t>：部署、戰鬥並返回總部。兼容必備模組：</a:t>
             </a:r>
             <a:r>
-              <a:rPr lang="fr-FR" altLang="zh-TW" sz="2800" dirty="0"/>
-              <a:t>RHS, CUP, TMT, R3F, </a:t>
-            </a:r>
-            <a:r>
-              <a:rPr lang="fr-FR" altLang="zh-TW" sz="2800" dirty="0" err="1"/>
+              <a:rPr lang="en-US" sz="2800" dirty="0">
+                <a:latin typeface="Consolas" panose="020B0609020204030204" pitchFamily="49" charset="0"/>
+              </a:rPr>
+              <a:t> AMF, RHS, CUP, TMT, R3F, </a:t>
+            </a:r>
+            <a:r>
+              <a:rPr lang="en-US" sz="2800" dirty="0" err="1">
+                <a:latin typeface="Consolas" panose="020B0609020204030204" pitchFamily="49" charset="0"/>
+              </a:rPr>
               <a:t>BWMod</a:t>
             </a:r>
             <a:r>
-              <a:rPr lang="fr-FR" altLang="zh-TW" sz="2800" dirty="0"/>
+              <a:rPr lang="en-US" sz="2800" dirty="0">
+                <a:latin typeface="Consolas" panose="020B0609020204030204" pitchFamily="49" charset="0"/>
+              </a:rPr>
               <a:t>, FFAA, VME PLA, </a:t>
             </a:r>
             <a:r>
-              <a:rPr lang="fr-FR" altLang="zh-TW" sz="2800" dirty="0" err="1"/>
+              <a:rPr lang="en-US" sz="2800" dirty="0" err="1">
+                <a:latin typeface="Consolas" panose="020B0609020204030204" pitchFamily="49" charset="0"/>
+              </a:rPr>
               <a:t>NIArms</a:t>
             </a:r>
             <a:r>
-              <a:rPr lang="fr-FR" altLang="zh-TW" sz="2800" dirty="0"/>
+              <a:rPr lang="en-US" sz="2800" dirty="0">
+                <a:latin typeface="Consolas" panose="020B0609020204030204" pitchFamily="49" charset="0"/>
+              </a:rPr>
               <a:t>...</a:t>
             </a:r>
             <a:endParaRPr lang="zh-TW" altLang="fr-FR" sz="2800" dirty="0"/>
@@ -9376,7 +9428,7 @@
         <p:spPr>
           <a:xfrm>
             <a:off x="1351033" y="875565"/>
-            <a:ext cx="6096000" cy="4832092"/>
+            <a:ext cx="6096000" cy="5262979"/>
           </a:xfrm>
           <a:prstGeom prst="rect">
             <a:avLst/>
@@ -9497,23 +9549,33 @@
               <a:t>：部署、战斗并返回总部。兼容必备模组：</a:t>
             </a:r>
             <a:r>
-              <a:rPr lang="fr-FR" altLang="zh-CN" sz="2800" dirty="0"/>
-              <a:t>RHS, CUP, TMT, R3F, </a:t>
-            </a:r>
-            <a:r>
-              <a:rPr lang="fr-FR" altLang="zh-CN" sz="2800" dirty="0" err="1"/>
+              <a:rPr lang="en-US" sz="2800" dirty="0">
+                <a:latin typeface="Consolas" panose="020B0609020204030204" pitchFamily="49" charset="0"/>
+              </a:rPr>
+              <a:t> AMF, RHS, CUP, TMT, R3F, </a:t>
+            </a:r>
+            <a:r>
+              <a:rPr lang="en-US" sz="2800" dirty="0" err="1">
+                <a:latin typeface="Consolas" panose="020B0609020204030204" pitchFamily="49" charset="0"/>
+              </a:rPr>
               <a:t>BWMod</a:t>
             </a:r>
             <a:r>
-              <a:rPr lang="fr-FR" altLang="zh-CN" sz="2800" dirty="0"/>
+              <a:rPr lang="en-US" sz="2800" dirty="0">
+                <a:latin typeface="Consolas" panose="020B0609020204030204" pitchFamily="49" charset="0"/>
+              </a:rPr>
               <a:t>, FFAA, VME PLA, </a:t>
             </a:r>
             <a:r>
-              <a:rPr lang="fr-FR" altLang="zh-CN" sz="2800" dirty="0" err="1"/>
+              <a:rPr lang="en-US" sz="2800" dirty="0" err="1">
+                <a:latin typeface="Consolas" panose="020B0609020204030204" pitchFamily="49" charset="0"/>
+              </a:rPr>
               <a:t>NIArms</a:t>
             </a:r>
             <a:r>
-              <a:rPr lang="fr-FR" altLang="zh-CN" sz="2800" dirty="0"/>
+              <a:rPr lang="en-US" sz="2800" dirty="0">
+                <a:latin typeface="Consolas" panose="020B0609020204030204" pitchFamily="49" charset="0"/>
+              </a:rPr>
               <a:t>...</a:t>
             </a:r>
             <a:endParaRPr lang="zh-CN" altLang="fr-FR" sz="2800" dirty="0"/>
@@ -10126,7 +10188,7 @@
               <a:rPr lang="en-US" sz="2000" dirty="0">
                 <a:latin typeface="Consolas" panose="020B0609020204030204" pitchFamily="49" charset="0"/>
               </a:rPr>
-              <a:t>Deploy, fight and return to HQ. COMPATIBILITY with essential mods: RHS, CUP, TMT, R3F, </a:t>
+              <a:t>Deploy, fight and return to HQ. COMPATIBILITY with essential mods: AMF, RHS, CUP, TMT, R3F, </a:t>
             </a:r>
             <a:r>
               <a:rPr lang="en-US" sz="2000" dirty="0" err="1">
@@ -10150,7 +10212,7 @@
               <a:rPr lang="en-US" sz="2000" dirty="0">
                 <a:latin typeface="Consolas" panose="020B0609020204030204" pitchFamily="49" charset="0"/>
               </a:rPr>
-              <a:t>...&lt;/English&gt;</a:t>
+              <a:t>...</a:t>
             </a:r>
             <a:endParaRPr lang="fr-FR" sz="2000" b="0" dirty="0">
               <a:effectLst/>
@@ -10685,8 +10747,8 @@
         </p:nvSpPr>
         <p:spPr>
           <a:xfrm>
-            <a:off x="1447253" y="1074509"/>
-            <a:ext cx="6096000" cy="4832092"/>
+            <a:off x="1430667" y="807493"/>
+            <a:ext cx="6096000" cy="5139869"/>
           </a:xfrm>
           <a:prstGeom prst="rect">
             <a:avLst/>
@@ -11232,28 +11294,34 @@
               <a:rPr lang="fr-FR" sz="2000" dirty="0">
                 <a:latin typeface="Consolas" panose="020B0609020204030204" pitchFamily="49" charset="0"/>
               </a:rPr>
-              <a:t> UYUMLULUK: RHS, CUP, TMT, R3F, </a:t>
-            </a:r>
-            <a:r>
-              <a:rPr lang="fr-FR" sz="2000" dirty="0" err="1">
+              <a:t> UYUMLULUK: </a:t>
+            </a:r>
+            <a:r>
+              <a:rPr lang="en-US" sz="2000" dirty="0">
+                <a:latin typeface="Consolas" panose="020B0609020204030204" pitchFamily="49" charset="0"/>
+              </a:rPr>
+              <a:t>AMF, RHS, CUP, TMT, R3F, </a:t>
+            </a:r>
+            <a:r>
+              <a:rPr lang="en-US" sz="2000" dirty="0" err="1">
                 <a:latin typeface="Consolas" panose="020B0609020204030204" pitchFamily="49" charset="0"/>
               </a:rPr>
               <a:t>BWMod</a:t>
             </a:r>
             <a:r>
-              <a:rPr lang="fr-FR" sz="2000" dirty="0">
+              <a:rPr lang="en-US" sz="2000" dirty="0">
                 <a:latin typeface="Consolas" panose="020B0609020204030204" pitchFamily="49" charset="0"/>
               </a:rPr>
               <a:t>, FFAA, VME PLA, </a:t>
             </a:r>
             <a:r>
-              <a:rPr lang="fr-FR" sz="2000" dirty="0" err="1">
+              <a:rPr lang="en-US" sz="2000" dirty="0" err="1">
                 <a:latin typeface="Consolas" panose="020B0609020204030204" pitchFamily="49" charset="0"/>
               </a:rPr>
               <a:t>NIArms</a:t>
             </a:r>
             <a:r>
-              <a:rPr lang="fr-FR" sz="2000" dirty="0">
+              <a:rPr lang="en-US" sz="2000" dirty="0">
                 <a:latin typeface="Consolas" panose="020B0609020204030204" pitchFamily="49" charset="0"/>
               </a:rPr>
               <a:t>...</a:t>
@@ -11900,32 +11968,41 @@
               <a:rPr lang="fr-FR" sz="2000" dirty="0">
                 <a:latin typeface="Consolas" panose="020B0609020204030204" pitchFamily="49" charset="0"/>
               </a:rPr>
-              <a:t>Déployez-vous, combattez et revenez au QG. COMPATIBILITE avec les mods incontournables : RHS, CUP, TMT, R3F, </a:t>
-            </a:r>
-            <a:r>
-              <a:rPr lang="fr-FR" sz="2000" dirty="0" err="1">
+              <a:t>Déployez-vous, combattez et revenez au QG. COMPATIBILITE avec les mods incontournables : </a:t>
+            </a:r>
+            <a:r>
+              <a:rPr lang="en-US" sz="2000" dirty="0">
+                <a:latin typeface="Consolas" panose="020B0609020204030204" pitchFamily="49" charset="0"/>
+              </a:rPr>
+              <a:t>AMF, RHS, CUP, TMT, R3F, </a:t>
+            </a:r>
+            <a:r>
+              <a:rPr lang="en-US" sz="2000" dirty="0" err="1">
                 <a:latin typeface="Consolas" panose="020B0609020204030204" pitchFamily="49" charset="0"/>
               </a:rPr>
               <a:t>BWMod</a:t>
             </a:r>
             <a:r>
-              <a:rPr lang="fr-FR" sz="2000" dirty="0">
+              <a:rPr lang="en-US" sz="2000" dirty="0">
                 <a:latin typeface="Consolas" panose="020B0609020204030204" pitchFamily="49" charset="0"/>
               </a:rPr>
               <a:t>, FFAA, VME PLA, </a:t>
             </a:r>
             <a:r>
-              <a:rPr lang="fr-FR" sz="2000" dirty="0" err="1">
+              <a:rPr lang="en-US" sz="2000" dirty="0" err="1">
                 <a:latin typeface="Consolas" panose="020B0609020204030204" pitchFamily="49" charset="0"/>
               </a:rPr>
               <a:t>NIArms</a:t>
             </a:r>
             <a:r>
-              <a:rPr lang="fr-FR" sz="2000" dirty="0">
+              <a:rPr lang="en-US" sz="2000" dirty="0">
                 <a:latin typeface="Consolas" panose="020B0609020204030204" pitchFamily="49" charset="0"/>
               </a:rPr>
               <a:t>...</a:t>
             </a:r>
+            <a:endParaRPr lang="fr-FR" sz="2000" dirty="0">
+              <a:latin typeface="Consolas" panose="020B0609020204030204" pitchFamily="49" charset="0"/>
+            </a:endParaRPr>
           </a:p>
         </p:txBody>
       </p:sp>
@@ -12552,8 +12629,41 @@
               <a:rPr lang="de-DE" sz="2000" dirty="0">
                 <a:latin typeface="Consolas" panose="020B0609020204030204" pitchFamily="49" charset="0"/>
               </a:rPr>
-              <a:t>Einsatz, Kampf und Rückkehr zum HQ. KOMPATIBILITÄT mit unverzichtbaren Mods: RHS, CUP, TMT, R3F, BWMod, FFAA, VME PLA, NIArms...&lt;/German&gt;</a:t>
-            </a:r>
+              <a:t>Einsatz, Kampf und Rückkehr zum HQ. KOMPATIBILITÄT mit unverzichtbaren Mods: </a:t>
+            </a:r>
+            <a:r>
+              <a:rPr lang="en-US" sz="2000" dirty="0">
+                <a:latin typeface="Consolas" panose="020B0609020204030204" pitchFamily="49" charset="0"/>
+              </a:rPr>
+              <a:t>AMF, RHS, CUP, TMT, R3F, </a:t>
+            </a:r>
+            <a:r>
+              <a:rPr lang="en-US" sz="2000" dirty="0" err="1">
+                <a:latin typeface="Consolas" panose="020B0609020204030204" pitchFamily="49" charset="0"/>
+              </a:rPr>
+              <a:t>BWMod</a:t>
+            </a:r>
+            <a:r>
+              <a:rPr lang="en-US" sz="2000" dirty="0">
+                <a:latin typeface="Consolas" panose="020B0609020204030204" pitchFamily="49" charset="0"/>
+              </a:rPr>
+              <a:t>, FFAA, VME PLA, </a:t>
+            </a:r>
+            <a:r>
+              <a:rPr lang="en-US" sz="2000" dirty="0" err="1">
+                <a:latin typeface="Consolas" panose="020B0609020204030204" pitchFamily="49" charset="0"/>
+              </a:rPr>
+              <a:t>NIArms</a:t>
+            </a:r>
+            <a:r>
+              <a:rPr lang="en-US" sz="2000" dirty="0">
+                <a:latin typeface="Consolas" panose="020B0609020204030204" pitchFamily="49" charset="0"/>
+              </a:rPr>
+              <a:t>...</a:t>
+            </a:r>
+            <a:endParaRPr lang="de-DE" sz="2000" dirty="0">
+              <a:latin typeface="Consolas" panose="020B0609020204030204" pitchFamily="49" charset="0"/>
+            </a:endParaRPr>
           </a:p>
         </p:txBody>
       </p:sp>
@@ -13192,32 +13302,41 @@
               <a:rPr lang="es-ES" sz="2000" dirty="0">
                 <a:latin typeface="Consolas" panose="020B0609020204030204" pitchFamily="49" charset="0"/>
               </a:rPr>
-              <a:t>Despliégate, combate y regresa al Cuartel General. COMPATIBILIDAD con mods imprescindibles: RHS, CUP, TMT, R3F, </a:t>
-            </a:r>
-            <a:r>
-              <a:rPr lang="es-ES" sz="2000" dirty="0" err="1">
+              <a:t>Despliégate, combate y regresa al Cuartel General. COMPATIBILIDAD con mods imprescindibles: </a:t>
+            </a:r>
+            <a:r>
+              <a:rPr lang="en-US" sz="2000" dirty="0">
+                <a:latin typeface="Consolas" panose="020B0609020204030204" pitchFamily="49" charset="0"/>
+              </a:rPr>
+              <a:t>AMF, RHS, CUP, TMT, R3F, </a:t>
+            </a:r>
+            <a:r>
+              <a:rPr lang="en-US" sz="2000" dirty="0" err="1">
                 <a:latin typeface="Consolas" panose="020B0609020204030204" pitchFamily="49" charset="0"/>
               </a:rPr>
               <a:t>BWMod</a:t>
             </a:r>
             <a:r>
-              <a:rPr lang="es-ES" sz="2000" dirty="0">
+              <a:rPr lang="en-US" sz="2000" dirty="0">
                 <a:latin typeface="Consolas" panose="020B0609020204030204" pitchFamily="49" charset="0"/>
               </a:rPr>
               <a:t>, FFAA, VME PLA, </a:t>
             </a:r>
             <a:r>
-              <a:rPr lang="es-ES" sz="2000" dirty="0" err="1">
+              <a:rPr lang="en-US" sz="2000" dirty="0" err="1">
                 <a:latin typeface="Consolas" panose="020B0609020204030204" pitchFamily="49" charset="0"/>
               </a:rPr>
               <a:t>NIArms</a:t>
             </a:r>
             <a:r>
-              <a:rPr lang="es-ES" sz="2000" dirty="0">
+              <a:rPr lang="en-US" sz="2000" dirty="0">
                 <a:latin typeface="Consolas" panose="020B0609020204030204" pitchFamily="49" charset="0"/>
               </a:rPr>
               <a:t>...</a:t>
             </a:r>
+            <a:endParaRPr lang="es-ES" sz="2000" dirty="0">
+              <a:latin typeface="Consolas" panose="020B0609020204030204" pitchFamily="49" charset="0"/>
+            </a:endParaRPr>
           </a:p>
         </p:txBody>
       </p:sp>
@@ -13844,8 +13963,41 @@
               <a:rPr lang="it-IT" sz="2000" dirty="0">
                 <a:latin typeface="Consolas" panose="020B0609020204030204" pitchFamily="49" charset="0"/>
               </a:rPr>
-              <a:t>Schieramento, combattimento e ritorno al QG. COMPATIBILITÀ con mod essenziali: RHS, CUP, TMT, R3F, BWMod, FFAA, VME PLA, NIArms...&lt;/Italian&gt;</a:t>
-            </a:r>
+              <a:t>Schieramento, combattimento e ritorno al QG. COMPATIBILITÀ con mod essenziali: </a:t>
+            </a:r>
+            <a:r>
+              <a:rPr lang="en-US" sz="2000" dirty="0">
+                <a:latin typeface="Consolas" panose="020B0609020204030204" pitchFamily="49" charset="0"/>
+              </a:rPr>
+              <a:t>AMF, RHS, CUP, TMT, R3F, </a:t>
+            </a:r>
+            <a:r>
+              <a:rPr lang="en-US" sz="2000" dirty="0" err="1">
+                <a:latin typeface="Consolas" panose="020B0609020204030204" pitchFamily="49" charset="0"/>
+              </a:rPr>
+              <a:t>BWMod</a:t>
+            </a:r>
+            <a:r>
+              <a:rPr lang="en-US" sz="2000" dirty="0">
+                <a:latin typeface="Consolas" panose="020B0609020204030204" pitchFamily="49" charset="0"/>
+              </a:rPr>
+              <a:t>, FFAA, VME PLA, </a:t>
+            </a:r>
+            <a:r>
+              <a:rPr lang="en-US" sz="2000" dirty="0" err="1">
+                <a:latin typeface="Consolas" panose="020B0609020204030204" pitchFamily="49" charset="0"/>
+              </a:rPr>
+              <a:t>NIArms</a:t>
+            </a:r>
+            <a:r>
+              <a:rPr lang="en-US" sz="2000" dirty="0">
+                <a:latin typeface="Consolas" panose="020B0609020204030204" pitchFamily="49" charset="0"/>
+              </a:rPr>
+              <a:t>...</a:t>
+            </a:r>
+            <a:endParaRPr lang="it-IT" sz="2000" dirty="0">
+              <a:latin typeface="Consolas" panose="020B0609020204030204" pitchFamily="49" charset="0"/>
+            </a:endParaRPr>
           </a:p>
         </p:txBody>
       </p:sp>
@@ -14484,8 +14636,41 @@
               <a:rPr lang="ru-RU" sz="2000" dirty="0">
                 <a:latin typeface="Consolas" panose="020B0609020204030204" pitchFamily="49" charset="0"/>
               </a:rPr>
-              <a:t>Развертывание, бой и возвращение в штаб. СОВМЕСТИМОСТЬ с основными модами: RHS, CUP, TMT, R3F, BWMod, FFAA, VME PLA, NIArms…</a:t>
-            </a:r>
+              <a:t>Развертывание, бой и возвращение в штаб. СОВМЕСТИМОСТЬ с основными модами: </a:t>
+            </a:r>
+            <a:r>
+              <a:rPr lang="en-US" sz="2000" dirty="0">
+                <a:latin typeface="Consolas" panose="020B0609020204030204" pitchFamily="49" charset="0"/>
+              </a:rPr>
+              <a:t>AMF, RHS, CUP, TMT, R3F, </a:t>
+            </a:r>
+            <a:r>
+              <a:rPr lang="en-US" sz="2000" dirty="0" err="1">
+                <a:latin typeface="Consolas" panose="020B0609020204030204" pitchFamily="49" charset="0"/>
+              </a:rPr>
+              <a:t>BWMod</a:t>
+            </a:r>
+            <a:r>
+              <a:rPr lang="en-US" sz="2000" dirty="0">
+                <a:latin typeface="Consolas" panose="020B0609020204030204" pitchFamily="49" charset="0"/>
+              </a:rPr>
+              <a:t>, FFAA, VME PLA, </a:t>
+            </a:r>
+            <a:r>
+              <a:rPr lang="en-US" sz="2000" dirty="0" err="1">
+                <a:latin typeface="Consolas" panose="020B0609020204030204" pitchFamily="49" charset="0"/>
+              </a:rPr>
+              <a:t>NIArms</a:t>
+            </a:r>
+            <a:r>
+              <a:rPr lang="en-US" sz="2000" dirty="0">
+                <a:latin typeface="Consolas" panose="020B0609020204030204" pitchFamily="49" charset="0"/>
+              </a:rPr>
+              <a:t>...</a:t>
+            </a:r>
+            <a:endParaRPr lang="ru-RU" sz="2000" dirty="0">
+              <a:latin typeface="Consolas" panose="020B0609020204030204" pitchFamily="49" charset="0"/>
+            </a:endParaRPr>
           </a:p>
         </p:txBody>
       </p:sp>
@@ -15130,32 +15315,41 @@
               <a:rPr lang="es-ES" sz="2000" dirty="0">
                 <a:latin typeface="Consolas" panose="020B0609020204030204" pitchFamily="49" charset="0"/>
               </a:rPr>
-              <a:t>COMPATIBILIDAD con mods imprescindibles: RHS, CUP, TMT, R3F, </a:t>
-            </a:r>
-            <a:r>
-              <a:rPr lang="es-ES" sz="2000" dirty="0" err="1">
+              <a:t>COMPATIBILIDAD con mods imprescindibles: </a:t>
+            </a:r>
+            <a:r>
+              <a:rPr lang="en-US" sz="2000" dirty="0">
+                <a:latin typeface="Consolas" panose="020B0609020204030204" pitchFamily="49" charset="0"/>
+              </a:rPr>
+              <a:t>AMF, RHS, CUP, TMT, R3F, </a:t>
+            </a:r>
+            <a:r>
+              <a:rPr lang="en-US" sz="2000" dirty="0" err="1">
                 <a:latin typeface="Consolas" panose="020B0609020204030204" pitchFamily="49" charset="0"/>
               </a:rPr>
               <a:t>BWMod</a:t>
             </a:r>
             <a:r>
-              <a:rPr lang="es-ES" sz="2000" dirty="0">
+              <a:rPr lang="en-US" sz="2000" dirty="0">
                 <a:latin typeface="Consolas" panose="020B0609020204030204" pitchFamily="49" charset="0"/>
               </a:rPr>
               <a:t>, FFAA, VME PLA, </a:t>
             </a:r>
             <a:r>
-              <a:rPr lang="es-ES" sz="2000" dirty="0" err="1">
+              <a:rPr lang="en-US" sz="2000" dirty="0" err="1">
                 <a:latin typeface="Consolas" panose="020B0609020204030204" pitchFamily="49" charset="0"/>
               </a:rPr>
               <a:t>NIArms</a:t>
             </a:r>
             <a:r>
-              <a:rPr lang="es-ES" sz="2000" dirty="0">
+              <a:rPr lang="en-US" sz="2000" dirty="0">
                 <a:latin typeface="Consolas" panose="020B0609020204030204" pitchFamily="49" charset="0"/>
               </a:rPr>
               <a:t>...</a:t>
             </a:r>
+            <a:endParaRPr lang="es-ES" sz="2000" dirty="0">
+              <a:latin typeface="Consolas" panose="020B0609020204030204" pitchFamily="49" charset="0"/>
+            </a:endParaRPr>
           </a:p>
         </p:txBody>
       </p:sp>

--- a/01%20TACTICAL%20SANDBOX%20-%20Molos%20Version.Altis/other/Presentation1.pptx
+++ b/01%20TACTICAL%20SANDBOX%20-%20Molos%20Version.Altis/other/Presentation1.pptx
@@ -6001,7 +6001,7 @@
         </p:blipFill>
         <p:spPr>
           <a:xfrm>
-            <a:off x="10578394" y="735663"/>
+            <a:off x="9792010" y="763095"/>
             <a:ext cx="1244717" cy="829812"/>
           </a:xfrm>
           <a:prstGeom prst="rect">
@@ -6040,7 +6040,7 @@
         </p:blipFill>
         <p:spPr>
           <a:xfrm>
-            <a:off x="10578392" y="4338759"/>
+            <a:off x="9792008" y="4366191"/>
             <a:ext cx="1244717" cy="829812"/>
           </a:xfrm>
           <a:prstGeom prst="rect">
@@ -6079,7 +6079,7 @@
         </p:blipFill>
         <p:spPr>
           <a:xfrm>
-            <a:off x="10578393" y="2519631"/>
+            <a:off x="9792009" y="2547063"/>
             <a:ext cx="1244716" cy="829812"/>
           </a:xfrm>
           <a:prstGeom prst="rect">
@@ -6118,7 +6118,7 @@
         </p:blipFill>
         <p:spPr>
           <a:xfrm>
-            <a:off x="10578393" y="3450233"/>
+            <a:off x="9792009" y="3477665"/>
             <a:ext cx="1244717" cy="829812"/>
           </a:xfrm>
           <a:prstGeom prst="rect">
@@ -6157,7 +6157,7 @@
         </p:blipFill>
         <p:spPr>
           <a:xfrm>
-            <a:off x="9206462" y="4955706"/>
+            <a:off x="8420078" y="4983138"/>
             <a:ext cx="1244717" cy="829812"/>
           </a:xfrm>
           <a:prstGeom prst="rect">
@@ -6196,7 +6196,7 @@
         </p:blipFill>
         <p:spPr>
           <a:xfrm>
-            <a:off x="9227251" y="2235723"/>
+            <a:off x="8440867" y="2263155"/>
             <a:ext cx="1244718" cy="829812"/>
           </a:xfrm>
           <a:prstGeom prst="rect">
@@ -6235,7 +6235,7 @@
         </p:blipFill>
         <p:spPr>
           <a:xfrm>
-            <a:off x="10578392" y="5251151"/>
+            <a:off x="9792008" y="5278583"/>
             <a:ext cx="1228444" cy="829812"/>
           </a:xfrm>
           <a:prstGeom prst="rect">
@@ -6274,7 +6274,7 @@
         </p:blipFill>
         <p:spPr>
           <a:xfrm>
-            <a:off x="9214743" y="4058787"/>
+            <a:off x="8428359" y="4086219"/>
             <a:ext cx="1228155" cy="829812"/>
           </a:xfrm>
           <a:prstGeom prst="rect">
@@ -6313,7 +6313,7 @@
         </p:blipFill>
         <p:spPr>
           <a:xfrm>
-            <a:off x="9230019" y="3132642"/>
+            <a:off x="8443635" y="3160074"/>
             <a:ext cx="1244718" cy="829812"/>
           </a:xfrm>
           <a:prstGeom prst="rect">
@@ -6352,7 +6352,7 @@
         </p:blipFill>
         <p:spPr>
           <a:xfrm>
-            <a:off x="10578393" y="1627647"/>
+            <a:off x="9792009" y="1655079"/>
             <a:ext cx="1244717" cy="829812"/>
           </a:xfrm>
           <a:prstGeom prst="rect">
@@ -6391,7 +6391,7 @@
         </p:blipFill>
         <p:spPr>
           <a:xfrm>
-            <a:off x="9227253" y="1338804"/>
+            <a:off x="8440869" y="1366236"/>
             <a:ext cx="1244717" cy="829812"/>
           </a:xfrm>
           <a:prstGeom prst="rect">
@@ -6399,86 +6399,6 @@
           </a:prstGeom>
         </p:spPr>
       </p:pic>
-      <p:sp>
-        <p:nvSpPr>
-          <p:cNvPr id="2" name="Rectangle 1">
-            <a:extLst>
-              <a:ext uri="{FF2B5EF4-FFF2-40B4-BE49-F238E27FC236}">
-                <a16:creationId xmlns:a16="http://schemas.microsoft.com/office/drawing/2014/main" id="{CF901145-1DA2-41B0-9177-3DD51BB8069D}"/>
-              </a:ext>
-            </a:extLst>
-          </p:cNvPr>
-          <p:cNvSpPr/>
-          <p:nvPr/>
-        </p:nvSpPr>
-        <p:spPr>
-          <a:xfrm rot="5400000">
-            <a:off x="5362373" y="2644170"/>
-            <a:ext cx="5793574" cy="1569660"/>
-          </a:xfrm>
-          <a:prstGeom prst="rect">
-            <a:avLst/>
-          </a:prstGeom>
-        </p:spPr>
-        <p:txBody>
-          <a:bodyPr wrap="none">
-            <a:spAutoFit/>
-          </a:bodyPr>
-          <a:lstStyle/>
-          <a:p>
-            <a:r>
-              <a:rPr lang="fr-FR" sz="9600" dirty="0" err="1">
-                <a:ln w="28575">
-                  <a:solidFill>
-                    <a:schemeClr val="bg2"/>
-                  </a:solidFill>
-                </a:ln>
-                <a:solidFill>
-                  <a:schemeClr val="accent5">
-                    <a:lumMod val="20000"/>
-                    <a:lumOff val="80000"/>
-                  </a:schemeClr>
-                </a:solidFill>
-                <a:effectLst>
-                  <a:glow rad="101600">
-                    <a:schemeClr val="accent4">
-                      <a:satMod val="175000"/>
-                      <a:alpha val="40000"/>
-                    </a:schemeClr>
-                  </a:glow>
-                </a:effectLst>
-                <a:latin typeface="Bahnschrift SemiBold Condensed" panose="020B0502040204020203" pitchFamily="34" charset="0"/>
-              </a:rPr>
-              <a:t>Molos</a:t>
-            </a:r>
-            <a:r>
-              <a:rPr lang="fr-FR" sz="9600" dirty="0">
-                <a:ln w="28575">
-                  <a:solidFill>
-                    <a:schemeClr val="bg2"/>
-                  </a:solidFill>
-                </a:ln>
-                <a:solidFill>
-                  <a:schemeClr val="accent5">
-                    <a:lumMod val="20000"/>
-                    <a:lumOff val="80000"/>
-                  </a:schemeClr>
-                </a:solidFill>
-                <a:effectLst>
-                  <a:glow rad="101600">
-                    <a:schemeClr val="accent4">
-                      <a:satMod val="175000"/>
-                      <a:alpha val="40000"/>
-                    </a:schemeClr>
-                  </a:glow>
-                </a:effectLst>
-                <a:latin typeface="Bahnschrift SemiBold Condensed" panose="020B0502040204020203" pitchFamily="34" charset="0"/>
-              </a:rPr>
-              <a:t> Version</a:t>
-            </a:r>
-          </a:p>
-        </p:txBody>
-      </p:sp>
     </p:spTree>
     <p:extLst>
       <p:ext uri="{BB962C8B-B14F-4D97-AF65-F5344CB8AC3E}">
